--- a/Calendario2023/Presentaciones/9_Capa_fisicaR.pptx
+++ b/Calendario2023/Presentaciones/9_Capa_fisicaR.pptx
@@ -16,10 +16,10 @@
     <p:sldId id="803" r:id="rId7"/>
     <p:sldId id="809" r:id="rId8"/>
     <p:sldId id="810" r:id="rId9"/>
-    <p:sldId id="822" r:id="rId10"/>
-    <p:sldId id="823" r:id="rId11"/>
-    <p:sldId id="824" r:id="rId12"/>
-    <p:sldId id="296" r:id="rId13"/>
+    <p:sldId id="826" r:id="rId10"/>
+    <p:sldId id="822" r:id="rId11"/>
+    <p:sldId id="823" r:id="rId12"/>
+    <p:sldId id="824" r:id="rId13"/>
   </p:sldIdLst>
   <p:sldSz cx="9144000" cy="6858000" type="screen4x3"/>
   <p:notesSz cx="7023100" cy="9309100"/>
@@ -219,7 +219,7 @@
           <a:p>
             <a:fld id="{2D445F07-8756-451B-A938-0248325FC7BB}" type="datetimeFigureOut">
               <a:rPr lang="es-MX" smtClean="0"/>
-              <a:t>15/05/2023</a:t>
+              <a:t>16/05/2023</a:t>
             </a:fld>
             <a:endParaRPr lang="es-MX" dirty="0"/>
           </a:p>
@@ -1147,7 +1147,7 @@
     </p:spTree>
     <p:extLst>
       <p:ext uri="{BB962C8B-B14F-4D97-AF65-F5344CB8AC3E}">
-        <p14:creationId xmlns:p14="http://schemas.microsoft.com/office/powerpoint/2010/main" val="1351190187"/>
+        <p14:creationId xmlns:p14="http://schemas.microsoft.com/office/powerpoint/2010/main" val="1045288235"/>
       </p:ext>
     </p:extLst>
   </p:cSld>
@@ -1398,7 +1398,7 @@
     </p:spTree>
     <p:extLst>
       <p:ext uri="{BB962C8B-B14F-4D97-AF65-F5344CB8AC3E}">
-        <p14:creationId xmlns:p14="http://schemas.microsoft.com/office/powerpoint/2010/main" val="1445283806"/>
+        <p14:creationId xmlns:p14="http://schemas.microsoft.com/office/powerpoint/2010/main" val="1351190187"/>
       </p:ext>
     </p:extLst>
   </p:cSld>
@@ -1649,7 +1649,7 @@
     </p:spTree>
     <p:extLst>
       <p:ext uri="{BB962C8B-B14F-4D97-AF65-F5344CB8AC3E}">
-        <p14:creationId xmlns:p14="http://schemas.microsoft.com/office/powerpoint/2010/main" val="2493854056"/>
+        <p14:creationId xmlns:p14="http://schemas.microsoft.com/office/powerpoint/2010/main" val="1445283806"/>
       </p:ext>
     </p:extLst>
   </p:cSld>
@@ -1678,7 +1678,7 @@
       </p:grpSpPr>
       <p:sp>
         <p:nvSpPr>
-          <p:cNvPr id="53250" name="1 Marcador de imagen de diapositiva"/>
+          <p:cNvPr id="40962" name="1 Marcador de imagen de diapositiva"/>
           <p:cNvSpPr>
             <a:spLocks noGrp="1" noRot="1" noChangeAspect="1" noTextEdit="1"/>
           </p:cNvSpPr>
@@ -1709,7 +1709,7 @@
       </p:sp>
       <p:sp>
         <p:nvSpPr>
-          <p:cNvPr id="53251" name="2 Marcador de notas"/>
+          <p:cNvPr id="40963" name="2 Marcador de notas"/>
           <p:cNvSpPr>
             <a:spLocks noGrp="1"/>
           </p:cNvSpPr>
@@ -1747,13 +1747,13 @@
           </a:bodyPr>
           <a:lstStyle/>
           <a:p>
-            <a:endParaRPr lang="es-MX"/>
+            <a:endParaRPr lang="es-MX" dirty="0"/>
           </a:p>
         </p:txBody>
       </p:sp>
       <p:sp>
         <p:nvSpPr>
-          <p:cNvPr id="53252" name="3 Marcador de número de diapositiva"/>
+          <p:cNvPr id="40964" name="3 Marcador de número de diapositiva"/>
           <p:cNvSpPr>
             <a:spLocks noGrp="1"/>
           </p:cNvSpPr>
@@ -1888,7 +1888,7 @@
             </a:lvl9pPr>
           </a:lstStyle>
           <a:p>
-            <a:fld id="{360DD413-231F-4AC9-8686-13F53941A84A}" type="slidenum">
+            <a:fld id="{56F04661-FEDA-4297-9392-E99059580857}" type="slidenum">
               <a:rPr lang="es-MX" sz="1200"/>
               <a:pPr/>
               <a:t>12</a:t>
@@ -1900,7 +1900,7 @@
     </p:spTree>
     <p:extLst>
       <p:ext uri="{BB962C8B-B14F-4D97-AF65-F5344CB8AC3E}">
-        <p14:creationId xmlns:p14="http://schemas.microsoft.com/office/powerpoint/2010/main" val="3249114458"/>
+        <p14:creationId xmlns:p14="http://schemas.microsoft.com/office/powerpoint/2010/main" val="2493854056"/>
       </p:ext>
     </p:extLst>
   </p:cSld>
@@ -2091,7 +2091,7 @@
           <a:p>
             <a:fld id="{5E75A0DC-66C6-4CEC-A5EB-F8C97CEC3796}" type="datetimeFigureOut">
               <a:rPr lang="es-MX" smtClean="0"/>
-              <a:t>15/05/2023</a:t>
+              <a:t>16/05/2023</a:t>
             </a:fld>
             <a:endParaRPr lang="es-MX" dirty="0"/>
           </a:p>
@@ -2261,7 +2261,7 @@
           <a:p>
             <a:fld id="{5E75A0DC-66C6-4CEC-A5EB-F8C97CEC3796}" type="datetimeFigureOut">
               <a:rPr lang="es-MX" smtClean="0"/>
-              <a:t>15/05/2023</a:t>
+              <a:t>16/05/2023</a:t>
             </a:fld>
             <a:endParaRPr lang="es-MX" dirty="0"/>
           </a:p>
@@ -2441,7 +2441,7 @@
           <a:p>
             <a:fld id="{5E75A0DC-66C6-4CEC-A5EB-F8C97CEC3796}" type="datetimeFigureOut">
               <a:rPr lang="es-MX" smtClean="0"/>
-              <a:t>15/05/2023</a:t>
+              <a:t>16/05/2023</a:t>
             </a:fld>
             <a:endParaRPr lang="es-MX" dirty="0"/>
           </a:p>
@@ -2611,7 +2611,7 @@
           <a:p>
             <a:fld id="{5E75A0DC-66C6-4CEC-A5EB-F8C97CEC3796}" type="datetimeFigureOut">
               <a:rPr lang="es-MX" smtClean="0"/>
-              <a:t>15/05/2023</a:t>
+              <a:t>16/05/2023</a:t>
             </a:fld>
             <a:endParaRPr lang="es-MX" dirty="0"/>
           </a:p>
@@ -2857,7 +2857,7 @@
           <a:p>
             <a:fld id="{5E75A0DC-66C6-4CEC-A5EB-F8C97CEC3796}" type="datetimeFigureOut">
               <a:rPr lang="es-MX" smtClean="0"/>
-              <a:t>15/05/2023</a:t>
+              <a:t>16/05/2023</a:t>
             </a:fld>
             <a:endParaRPr lang="es-MX" dirty="0"/>
           </a:p>
@@ -3145,7 +3145,7 @@
           <a:p>
             <a:fld id="{5E75A0DC-66C6-4CEC-A5EB-F8C97CEC3796}" type="datetimeFigureOut">
               <a:rPr lang="es-MX" smtClean="0"/>
-              <a:t>15/05/2023</a:t>
+              <a:t>16/05/2023</a:t>
             </a:fld>
             <a:endParaRPr lang="es-MX" dirty="0"/>
           </a:p>
@@ -3567,7 +3567,7 @@
           <a:p>
             <a:fld id="{5E75A0DC-66C6-4CEC-A5EB-F8C97CEC3796}" type="datetimeFigureOut">
               <a:rPr lang="es-MX" smtClean="0"/>
-              <a:t>15/05/2023</a:t>
+              <a:t>16/05/2023</a:t>
             </a:fld>
             <a:endParaRPr lang="es-MX" dirty="0"/>
           </a:p>
@@ -3685,7 +3685,7 @@
           <a:p>
             <a:fld id="{5E75A0DC-66C6-4CEC-A5EB-F8C97CEC3796}" type="datetimeFigureOut">
               <a:rPr lang="es-MX" smtClean="0"/>
-              <a:t>15/05/2023</a:t>
+              <a:t>16/05/2023</a:t>
             </a:fld>
             <a:endParaRPr lang="es-MX" dirty="0"/>
           </a:p>
@@ -3780,7 +3780,7 @@
           <a:p>
             <a:fld id="{5E75A0DC-66C6-4CEC-A5EB-F8C97CEC3796}" type="datetimeFigureOut">
               <a:rPr lang="es-MX" smtClean="0"/>
-              <a:t>15/05/2023</a:t>
+              <a:t>16/05/2023</a:t>
             </a:fld>
             <a:endParaRPr lang="es-MX" dirty="0"/>
           </a:p>
@@ -4057,7 +4057,7 @@
           <a:p>
             <a:fld id="{5E75A0DC-66C6-4CEC-A5EB-F8C97CEC3796}" type="datetimeFigureOut">
               <a:rPr lang="es-MX" smtClean="0"/>
-              <a:t>15/05/2023</a:t>
+              <a:t>16/05/2023</a:t>
             </a:fld>
             <a:endParaRPr lang="es-MX" dirty="0"/>
           </a:p>
@@ -4310,7 +4310,7 @@
           <a:p>
             <a:fld id="{5E75A0DC-66C6-4CEC-A5EB-F8C97CEC3796}" type="datetimeFigureOut">
               <a:rPr lang="es-MX" smtClean="0"/>
-              <a:t>15/05/2023</a:t>
+              <a:t>16/05/2023</a:t>
             </a:fld>
             <a:endParaRPr lang="es-MX" dirty="0"/>
           </a:p>
@@ -4523,7 +4523,7 @@
           <a:p>
             <a:fld id="{5E75A0DC-66C6-4CEC-A5EB-F8C97CEC3796}" type="datetimeFigureOut">
               <a:rPr lang="es-MX" smtClean="0"/>
-              <a:t>15/05/2023</a:t>
+              <a:t>16/05/2023</a:t>
             </a:fld>
             <a:endParaRPr lang="es-MX" dirty="0"/>
           </a:p>
@@ -5085,6 +5085,567 @@
       </p:grpSpPr>
       <p:sp>
         <p:nvSpPr>
+          <p:cNvPr id="19461" name="10 CuadroTexto"/>
+          <p:cNvSpPr txBox="1">
+            <a:spLocks noChangeArrowheads="1"/>
+          </p:cNvSpPr>
+          <p:nvPr/>
+        </p:nvSpPr>
+        <p:spPr bwMode="auto">
+          <a:xfrm>
+            <a:off x="611560" y="825763"/>
+            <a:ext cx="8064896" cy="792781"/>
+          </a:xfrm>
+          <a:prstGeom prst="rect">
+            <a:avLst/>
+          </a:prstGeom>
+          <a:noFill/>
+          <a:ln>
+            <a:noFill/>
+          </a:ln>
+          <a:extLst>
+            <a:ext uri="{909E8E84-426E-40DD-AFC4-6F175D3DCCD1}">
+              <a14:hiddenFill xmlns:a14="http://schemas.microsoft.com/office/drawing/2010/main">
+                <a:solidFill>
+                  <a:srgbClr val="FFFFFF"/>
+                </a:solidFill>
+              </a14:hiddenFill>
+            </a:ext>
+            <a:ext uri="{91240B29-F687-4F45-9708-019B960494DF}">
+              <a14:hiddenLine xmlns:a14="http://schemas.microsoft.com/office/drawing/2010/main" w="9525">
+                <a:solidFill>
+                  <a:srgbClr val="000000"/>
+                </a:solidFill>
+                <a:miter lim="800000"/>
+                <a:headEnd/>
+                <a:tailEnd/>
+              </a14:hiddenLine>
+            </a:ext>
+          </a:extLst>
+        </p:spPr>
+        <p:txBody>
+          <a:bodyPr wrap="square">
+            <a:spAutoFit/>
+          </a:bodyPr>
+          <a:lstStyle>
+            <a:lvl1pPr eaLnBrk="0" hangingPunct="0">
+              <a:defRPr sz="2400">
+                <a:solidFill>
+                  <a:schemeClr val="tx1"/>
+                </a:solidFill>
+                <a:latin typeface="Times New Roman" pitchFamily="18" charset="0"/>
+              </a:defRPr>
+            </a:lvl1pPr>
+            <a:lvl2pPr marL="742950" indent="-285750" eaLnBrk="0" hangingPunct="0">
+              <a:defRPr sz="2400">
+                <a:solidFill>
+                  <a:schemeClr val="tx1"/>
+                </a:solidFill>
+                <a:latin typeface="Times New Roman" pitchFamily="18" charset="0"/>
+              </a:defRPr>
+            </a:lvl2pPr>
+            <a:lvl3pPr marL="1143000" indent="-228600" eaLnBrk="0" hangingPunct="0">
+              <a:defRPr sz="2400">
+                <a:solidFill>
+                  <a:schemeClr val="tx1"/>
+                </a:solidFill>
+                <a:latin typeface="Times New Roman" pitchFamily="18" charset="0"/>
+              </a:defRPr>
+            </a:lvl3pPr>
+            <a:lvl4pPr marL="1600200" indent="-228600" eaLnBrk="0" hangingPunct="0">
+              <a:defRPr sz="2400">
+                <a:solidFill>
+                  <a:schemeClr val="tx1"/>
+                </a:solidFill>
+                <a:latin typeface="Times New Roman" pitchFamily="18" charset="0"/>
+              </a:defRPr>
+            </a:lvl4pPr>
+            <a:lvl5pPr marL="2057400" indent="-228600" eaLnBrk="0" hangingPunct="0">
+              <a:defRPr sz="2400">
+                <a:solidFill>
+                  <a:schemeClr val="tx1"/>
+                </a:solidFill>
+                <a:latin typeface="Times New Roman" pitchFamily="18" charset="0"/>
+              </a:defRPr>
+            </a:lvl5pPr>
+            <a:lvl6pPr marL="2514600" indent="-228600" eaLnBrk="0" fontAlgn="base" hangingPunct="0">
+              <a:spcBef>
+                <a:spcPct val="0"/>
+              </a:spcBef>
+              <a:spcAft>
+                <a:spcPct val="0"/>
+              </a:spcAft>
+              <a:defRPr sz="2400">
+                <a:solidFill>
+                  <a:schemeClr val="tx1"/>
+                </a:solidFill>
+                <a:latin typeface="Times New Roman" pitchFamily="18" charset="0"/>
+              </a:defRPr>
+            </a:lvl6pPr>
+            <a:lvl7pPr marL="2971800" indent="-228600" eaLnBrk="0" fontAlgn="base" hangingPunct="0">
+              <a:spcBef>
+                <a:spcPct val="0"/>
+              </a:spcBef>
+              <a:spcAft>
+                <a:spcPct val="0"/>
+              </a:spcAft>
+              <a:defRPr sz="2400">
+                <a:solidFill>
+                  <a:schemeClr val="tx1"/>
+                </a:solidFill>
+                <a:latin typeface="Times New Roman" pitchFamily="18" charset="0"/>
+              </a:defRPr>
+            </a:lvl7pPr>
+            <a:lvl8pPr marL="3429000" indent="-228600" eaLnBrk="0" fontAlgn="base" hangingPunct="0">
+              <a:spcBef>
+                <a:spcPct val="0"/>
+              </a:spcBef>
+              <a:spcAft>
+                <a:spcPct val="0"/>
+              </a:spcAft>
+              <a:defRPr sz="2400">
+                <a:solidFill>
+                  <a:schemeClr val="tx1"/>
+                </a:solidFill>
+                <a:latin typeface="Times New Roman" pitchFamily="18" charset="0"/>
+              </a:defRPr>
+            </a:lvl8pPr>
+            <a:lvl9pPr marL="3886200" indent="-228600" eaLnBrk="0" fontAlgn="base" hangingPunct="0">
+              <a:spcBef>
+                <a:spcPct val="0"/>
+              </a:spcBef>
+              <a:spcAft>
+                <a:spcPct val="0"/>
+              </a:spcAft>
+              <a:defRPr sz="2400">
+                <a:solidFill>
+                  <a:schemeClr val="tx1"/>
+                </a:solidFill>
+                <a:latin typeface="Times New Roman" pitchFamily="18" charset="0"/>
+              </a:defRPr>
+            </a:lvl9pPr>
+          </a:lstStyle>
+          <a:p>
+            <a:pPr algn="ctr" eaLnBrk="1" hangingPunct="1">
+              <a:lnSpc>
+                <a:spcPct val="150000"/>
+              </a:lnSpc>
+            </a:pPr>
+            <a:r>
+              <a:rPr lang="es-ES" sz="1600" b="1" dirty="0">
+                <a:solidFill>
+                  <a:schemeClr val="accent5">
+                    <a:lumMod val="75000"/>
+                  </a:schemeClr>
+                </a:solidFill>
+                <a:latin typeface="ZapfHumnst BT"/>
+              </a:rPr>
+              <a:t>El test de velocidad utiliza un algoritmo único que permite medir con precisión la velocidad de subida y de bajada y la latencia (ping) de tu conexión a Internet.</a:t>
+            </a:r>
+          </a:p>
+        </p:txBody>
+      </p:sp>
+      <p:sp>
+        <p:nvSpPr>
+          <p:cNvPr id="8" name="Rectangle 2"/>
+          <p:cNvSpPr txBox="1">
+            <a:spLocks noChangeArrowheads="1"/>
+          </p:cNvSpPr>
+          <p:nvPr/>
+        </p:nvSpPr>
+        <p:spPr>
+          <a:xfrm>
+            <a:off x="89756" y="7145"/>
+            <a:ext cx="8964488" cy="1143000"/>
+          </a:xfrm>
+          <a:prstGeom prst="rect">
+            <a:avLst/>
+          </a:prstGeom>
+        </p:spPr>
+        <p:txBody>
+          <a:bodyPr vert="horz" lIns="92075" tIns="46038" rIns="92075" bIns="46038" rtlCol="0" anchor="ctr">
+            <a:noAutofit/>
+          </a:bodyPr>
+          <a:lstStyle>
+            <a:lvl1pPr algn="ctr" defTabSz="914400" rtl="0" eaLnBrk="1" latinLnBrk="0" hangingPunct="1">
+              <a:spcBef>
+                <a:spcPct val="0"/>
+              </a:spcBef>
+              <a:buNone/>
+              <a:defRPr sz="4400" kern="1200">
+                <a:solidFill>
+                  <a:schemeClr val="tx1"/>
+                </a:solidFill>
+                <a:latin typeface="+mj-lt"/>
+                <a:ea typeface="+mj-ea"/>
+                <a:cs typeface="+mj-cs"/>
+              </a:defRPr>
+            </a:lvl1pPr>
+          </a:lstStyle>
+          <a:p>
+            <a:pPr>
+              <a:defRPr/>
+            </a:pPr>
+            <a:r>
+              <a:rPr lang="es-ES_tradnl" sz="3200" dirty="0">
+                <a:solidFill>
+                  <a:srgbClr val="3333CC"/>
+                </a:solidFill>
+                <a:effectLst>
+                  <a:outerShdw blurRad="38100" dist="38100" dir="2700000" algn="tl">
+                    <a:srgbClr val="C0C0C0"/>
+                  </a:outerShdw>
+                </a:effectLst>
+                <a:latin typeface="Dom Casual" charset="0"/>
+              </a:rPr>
+              <a:t> </a:t>
+            </a:r>
+            <a:r>
+              <a:rPr lang="es-ES_tradnl" sz="3200" b="1" dirty="0">
+                <a:solidFill>
+                  <a:schemeClr val="accent4">
+                    <a:lumMod val="50000"/>
+                  </a:schemeClr>
+                </a:solidFill>
+                <a:effectLst>
+                  <a:outerShdw blurRad="38100" dist="38100" dir="2700000" algn="tl">
+                    <a:srgbClr val="C0C0C0"/>
+                  </a:outerShdw>
+                </a:effectLst>
+                <a:latin typeface="Dom Casual" charset="0"/>
+              </a:rPr>
+              <a:t>Test de velocidad de conexión a Internet</a:t>
+            </a:r>
+          </a:p>
+        </p:txBody>
+      </p:sp>
+      <p:sp>
+        <p:nvSpPr>
+          <p:cNvPr id="5" name="CuadroTexto 4">
+            <a:extLst>
+              <a:ext uri="{FF2B5EF4-FFF2-40B4-BE49-F238E27FC236}">
+                <a16:creationId xmlns:a16="http://schemas.microsoft.com/office/drawing/2014/main" id="{29FE4E26-F158-46A5-9C83-6A8A7F6F9681}"/>
+              </a:ext>
+            </a:extLst>
+          </p:cNvPr>
+          <p:cNvSpPr txBox="1"/>
+          <p:nvPr/>
+        </p:nvSpPr>
+        <p:spPr>
+          <a:xfrm>
+            <a:off x="486865" y="1984576"/>
+            <a:ext cx="8117583" cy="2092496"/>
+          </a:xfrm>
+          <a:prstGeom prst="rect">
+            <a:avLst/>
+          </a:prstGeom>
+          <a:noFill/>
+        </p:spPr>
+        <p:txBody>
+          <a:bodyPr wrap="square">
+            <a:spAutoFit/>
+          </a:bodyPr>
+          <a:lstStyle/>
+          <a:p>
+            <a:pPr marL="285750" indent="-285750" algn="just">
+              <a:lnSpc>
+                <a:spcPts val="2500"/>
+              </a:lnSpc>
+              <a:spcAft>
+                <a:spcPts val="800"/>
+              </a:spcAft>
+              <a:buFont typeface="Arial" panose="020B0604020202020204" pitchFamily="34" charset="0"/>
+              <a:buChar char="•"/>
+            </a:pPr>
+            <a:r>
+              <a:rPr lang="es-MX" sz="1600" b="1" dirty="0">
+                <a:solidFill>
+                  <a:schemeClr val="accent6">
+                    <a:lumMod val="75000"/>
+                  </a:schemeClr>
+                </a:solidFill>
+                <a:effectLst/>
+                <a:latin typeface="Calibri" panose="020F0502020204030204" pitchFamily="34" charset="0"/>
+                <a:ea typeface="Calibri" panose="020F0502020204030204" pitchFamily="34" charset="0"/>
+                <a:cs typeface="Times New Roman" panose="02020603050405020304" pitchFamily="18" charset="0"/>
+              </a:rPr>
+              <a:t>Velocidad de descarga:</a:t>
+            </a:r>
+            <a:r>
+              <a:rPr lang="es-MX" sz="1600" dirty="0">
+                <a:solidFill>
+                  <a:schemeClr val="accent6">
+                    <a:lumMod val="75000"/>
+                  </a:schemeClr>
+                </a:solidFill>
+                <a:effectLst/>
+                <a:latin typeface="Calibri" panose="020F0502020204030204" pitchFamily="34" charset="0"/>
+                <a:ea typeface="Calibri" panose="020F0502020204030204" pitchFamily="34" charset="0"/>
+                <a:cs typeface="Times New Roman" panose="02020603050405020304" pitchFamily="18" charset="0"/>
+              </a:rPr>
+              <a:t> </a:t>
+            </a:r>
+            <a:r>
+              <a:rPr lang="es-MX" sz="1600" dirty="0">
+                <a:effectLst/>
+                <a:latin typeface="Calibri" panose="020F0502020204030204" pitchFamily="34" charset="0"/>
+                <a:ea typeface="Calibri" panose="020F0502020204030204" pitchFamily="34" charset="0"/>
+                <a:cs typeface="Times New Roman" panose="02020603050405020304" pitchFamily="18" charset="0"/>
+              </a:rPr>
+              <a:t>Es el tiempo que tarda un archivo en ser descargado desde un servidor externo al dispositivo que se está utilizando. Se mide la cantidad de megas que se consiguen descargar en un segundo.</a:t>
+            </a:r>
+          </a:p>
+          <a:p>
+            <a:pPr marL="285750" indent="-285750" algn="just">
+              <a:lnSpc>
+                <a:spcPts val="2500"/>
+              </a:lnSpc>
+              <a:spcAft>
+                <a:spcPts val="800"/>
+              </a:spcAft>
+              <a:buFont typeface="Arial" panose="020B0604020202020204" pitchFamily="34" charset="0"/>
+              <a:buChar char="•"/>
+            </a:pPr>
+            <a:r>
+              <a:rPr lang="es-MX" sz="1600" b="1" dirty="0">
+                <a:solidFill>
+                  <a:schemeClr val="accent6">
+                    <a:lumMod val="75000"/>
+                  </a:schemeClr>
+                </a:solidFill>
+                <a:effectLst/>
+                <a:latin typeface="Calibri" panose="020F0502020204030204" pitchFamily="34" charset="0"/>
+                <a:ea typeface="Calibri" panose="020F0502020204030204" pitchFamily="34" charset="0"/>
+                <a:cs typeface="Times New Roman" panose="02020603050405020304" pitchFamily="18" charset="0"/>
+              </a:rPr>
+              <a:t>Velocidad de subida:</a:t>
+            </a:r>
+            <a:r>
+              <a:rPr lang="es-MX" sz="1600" dirty="0">
+                <a:solidFill>
+                  <a:schemeClr val="accent6">
+                    <a:lumMod val="75000"/>
+                  </a:schemeClr>
+                </a:solidFill>
+                <a:effectLst/>
+                <a:latin typeface="Calibri" panose="020F0502020204030204" pitchFamily="34" charset="0"/>
+                <a:ea typeface="Calibri" panose="020F0502020204030204" pitchFamily="34" charset="0"/>
+                <a:cs typeface="Times New Roman" panose="02020603050405020304" pitchFamily="18" charset="0"/>
+              </a:rPr>
+              <a:t> </a:t>
+            </a:r>
+            <a:r>
+              <a:rPr lang="es-MX" sz="1600" dirty="0">
+                <a:effectLst/>
+                <a:latin typeface="Calibri" panose="020F0502020204030204" pitchFamily="34" charset="0"/>
+                <a:ea typeface="Calibri" panose="020F0502020204030204" pitchFamily="34" charset="0"/>
+                <a:cs typeface="Times New Roman" panose="02020603050405020304" pitchFamily="18" charset="0"/>
+              </a:rPr>
+              <a:t>Es el tiempo que tarda un archivo en ser subido a un servidor externo. Se mide la cantidad de megas que la conexión a Internet puede subir en un segundo al servidor.</a:t>
+            </a:r>
+          </a:p>
+        </p:txBody>
+      </p:sp>
+      <p:pic>
+        <p:nvPicPr>
+          <p:cNvPr id="4" name="Imagen 3" descr="Interfaz de usuario gráfica, Aplicación&#10;&#10;Descripción generada automáticamente">
+            <a:extLst>
+              <a:ext uri="{FF2B5EF4-FFF2-40B4-BE49-F238E27FC236}">
+                <a16:creationId xmlns:a16="http://schemas.microsoft.com/office/drawing/2014/main" id="{A5FA7EB3-4DCB-496B-944D-EEA900EC12B5}"/>
+              </a:ext>
+            </a:extLst>
+          </p:cNvPr>
+          <p:cNvPicPr>
+            <a:picLocks noChangeAspect="1"/>
+          </p:cNvPicPr>
+          <p:nvPr/>
+        </p:nvPicPr>
+        <p:blipFill>
+          <a:blip r:embed="rId3">
+            <a:extLst>
+              <a:ext uri="{28A0092B-C50C-407E-A947-70E740481C1C}">
+                <a14:useLocalDpi xmlns:a14="http://schemas.microsoft.com/office/drawing/2010/main" val="0"/>
+              </a:ext>
+            </a:extLst>
+          </a:blip>
+          <a:stretch>
+            <a:fillRect/>
+          </a:stretch>
+        </p:blipFill>
+        <p:spPr>
+          <a:xfrm>
+            <a:off x="1619672" y="4221088"/>
+            <a:ext cx="6308768" cy="2140007"/>
+          </a:xfrm>
+          <a:prstGeom prst="rect">
+            <a:avLst/>
+          </a:prstGeom>
+        </p:spPr>
+      </p:pic>
+    </p:spTree>
+    <p:extLst>
+      <p:ext uri="{BB962C8B-B14F-4D97-AF65-F5344CB8AC3E}">
+        <p14:creationId xmlns:p14="http://schemas.microsoft.com/office/powerpoint/2010/main" val="53450271"/>
+      </p:ext>
+    </p:extLst>
+  </p:cSld>
+  <p:clrMapOvr>
+    <a:masterClrMapping/>
+  </p:clrMapOvr>
+  <p:timing>
+    <p:tnLst>
+      <p:par>
+        <p:cTn id="1" dur="indefinite" restart="never" nodeType="tmRoot">
+          <p:childTnLst>
+            <p:seq concurrent="1" nextAc="seek">
+              <p:cTn id="2" dur="indefinite" nodeType="mainSeq">
+                <p:childTnLst>
+                  <p:par>
+                    <p:cTn id="3" fill="hold" nodeType="clickPar">
+                      <p:stCondLst>
+                        <p:cond delay="indefinite"/>
+                      </p:stCondLst>
+                      <p:childTnLst>
+                        <p:par>
+                          <p:cTn id="4" fill="hold" nodeType="withGroup">
+                            <p:stCondLst>
+                              <p:cond delay="0"/>
+                            </p:stCondLst>
+                            <p:childTnLst>
+                              <p:par>
+                                <p:cTn id="5" presetID="4" presetClass="entr" presetSubtype="16" fill="hold" grpId="0" nodeType="clickEffect">
+                                  <p:stCondLst>
+                                    <p:cond delay="0"/>
+                                  </p:stCondLst>
+                                  <p:childTnLst>
+                                    <p:set>
+                                      <p:cBhvr>
+                                        <p:cTn id="6" dur="1" fill="hold">
+                                          <p:stCondLst>
+                                            <p:cond delay="0"/>
+                                          </p:stCondLst>
+                                        </p:cTn>
+                                        <p:tgtEl>
+                                          <p:spTgt spid="19461"/>
+                                        </p:tgtEl>
+                                        <p:attrNameLst>
+                                          <p:attrName>style.visibility</p:attrName>
+                                        </p:attrNameLst>
+                                      </p:cBhvr>
+                                      <p:to>
+                                        <p:strVal val="visible"/>
+                                      </p:to>
+                                    </p:set>
+                                    <p:animEffect transition="in" filter="box(in)">
+                                      <p:cBhvr>
+                                        <p:cTn id="7" dur="500"/>
+                                        <p:tgtEl>
+                                          <p:spTgt spid="19461"/>
+                                        </p:tgtEl>
+                                      </p:cBhvr>
+                                    </p:animEffect>
+                                  </p:childTnLst>
+                                </p:cTn>
+                              </p:par>
+                            </p:childTnLst>
+                          </p:cTn>
+                        </p:par>
+                      </p:childTnLst>
+                    </p:cTn>
+                  </p:par>
+                  <p:par>
+                    <p:cTn id="8" fill="hold">
+                      <p:stCondLst>
+                        <p:cond delay="indefinite"/>
+                      </p:stCondLst>
+                      <p:childTnLst>
+                        <p:par>
+                          <p:cTn id="9" fill="hold">
+                            <p:stCondLst>
+                              <p:cond delay="0"/>
+                            </p:stCondLst>
+                            <p:childTnLst>
+                              <p:par>
+                                <p:cTn id="10" presetID="1" presetClass="entr" presetSubtype="0" fill="hold" grpId="0" nodeType="clickEffect">
+                                  <p:stCondLst>
+                                    <p:cond delay="0"/>
+                                  </p:stCondLst>
+                                  <p:childTnLst>
+                                    <p:set>
+                                      <p:cBhvr>
+                                        <p:cTn id="11" dur="1" fill="hold">
+                                          <p:stCondLst>
+                                            <p:cond delay="0"/>
+                                          </p:stCondLst>
+                                        </p:cTn>
+                                        <p:tgtEl>
+                                          <p:spTgt spid="5"/>
+                                        </p:tgtEl>
+                                        <p:attrNameLst>
+                                          <p:attrName>style.visibility</p:attrName>
+                                        </p:attrNameLst>
+                                      </p:cBhvr>
+                                      <p:to>
+                                        <p:strVal val="visible"/>
+                                      </p:to>
+                                    </p:set>
+                                  </p:childTnLst>
+                                </p:cTn>
+                              </p:par>
+                            </p:childTnLst>
+                          </p:cTn>
+                        </p:par>
+                      </p:childTnLst>
+                    </p:cTn>
+                  </p:par>
+                </p:childTnLst>
+              </p:cTn>
+              <p:prevCondLst>
+                <p:cond evt="onPrev" delay="0">
+                  <p:tgtEl>
+                    <p:sldTgt/>
+                  </p:tgtEl>
+                </p:cond>
+              </p:prevCondLst>
+              <p:nextCondLst>
+                <p:cond evt="onNext" delay="0">
+                  <p:tgtEl>
+                    <p:sldTgt/>
+                  </p:tgtEl>
+                </p:cond>
+              </p:nextCondLst>
+            </p:seq>
+          </p:childTnLst>
+        </p:cTn>
+      </p:par>
+    </p:tnLst>
+    <p:bldLst>
+      <p:bldP spid="19461" grpId="0"/>
+      <p:bldP spid="5" grpId="0"/>
+    </p:bldLst>
+  </p:timing>
+</p:sld>
+</file>
+
+<file path=ppt/slides/slide11.xml><?xml version="1.0" encoding="utf-8"?>
+<p:sld xmlns:a="http://schemas.openxmlformats.org/drawingml/2006/main" xmlns:r="http://schemas.openxmlformats.org/officeDocument/2006/relationships" xmlns:p="http://schemas.openxmlformats.org/presentationml/2006/main">
+  <p:cSld>
+    <p:spTree>
+      <p:nvGrpSpPr>
+        <p:cNvPr id="1" name=""/>
+        <p:cNvGrpSpPr/>
+        <p:nvPr/>
+      </p:nvGrpSpPr>
+      <p:grpSpPr>
+        <a:xfrm>
+          <a:off x="0" y="0"/>
+          <a:ext cx="0" cy="0"/>
+          <a:chOff x="0" y="0"/>
+          <a:chExt cx="0" cy="0"/>
+        </a:xfrm>
+      </p:grpSpPr>
+      <p:sp>
+        <p:nvSpPr>
           <p:cNvPr id="8" name="Rectangle 2"/>
           <p:cNvSpPr txBox="1">
             <a:spLocks noChangeArrowheads="1"/>
@@ -5425,7 +5986,7 @@
 </p:sld>
 </file>
 
-<file path=ppt/slides/slide11.xml><?xml version="1.0" encoding="utf-8"?>
+<file path=ppt/slides/slide12.xml><?xml version="1.0" encoding="utf-8"?>
 <p:sld xmlns:a="http://schemas.openxmlformats.org/drawingml/2006/main" xmlns:r="http://schemas.openxmlformats.org/officeDocument/2006/relationships" xmlns:p="http://schemas.openxmlformats.org/presentationml/2006/main">
   <p:cSld>
     <p:spTree>
@@ -6059,1284 +6620,6 @@
         </p:cTn>
       </p:par>
     </p:tnLst>
-  </p:timing>
-</p:sld>
-</file>
-
-<file path=ppt/slides/slide12.xml><?xml version="1.0" encoding="utf-8"?>
-<p:sld xmlns:a="http://schemas.openxmlformats.org/drawingml/2006/main" xmlns:r="http://schemas.openxmlformats.org/officeDocument/2006/relationships" xmlns:p="http://schemas.openxmlformats.org/presentationml/2006/main">
-  <p:cSld>
-    <p:spTree>
-      <p:nvGrpSpPr>
-        <p:cNvPr id="1" name=""/>
-        <p:cNvGrpSpPr/>
-        <p:nvPr/>
-      </p:nvGrpSpPr>
-      <p:grpSpPr>
-        <a:xfrm>
-          <a:off x="0" y="0"/>
-          <a:ext cx="0" cy="0"/>
-          <a:chOff x="0" y="0"/>
-          <a:chExt cx="0" cy="0"/>
-        </a:xfrm>
-      </p:grpSpPr>
-      <p:grpSp>
-        <p:nvGrpSpPr>
-          <p:cNvPr id="2" name="11 Grupo"/>
-          <p:cNvGrpSpPr>
-            <a:grpSpLocks/>
-          </p:cNvGrpSpPr>
-          <p:nvPr/>
-        </p:nvGrpSpPr>
-        <p:grpSpPr bwMode="auto">
-          <a:xfrm>
-            <a:off x="827584" y="1778362"/>
-            <a:ext cx="3529317" cy="1653478"/>
-            <a:chOff x="642910" y="2496529"/>
-            <a:chExt cx="3529342" cy="1901397"/>
-          </a:xfrm>
-        </p:grpSpPr>
-        <p:sp>
-          <p:nvSpPr>
-            <p:cNvPr id="28680" name="5 CuadroTexto"/>
-            <p:cNvSpPr txBox="1">
-              <a:spLocks noChangeArrowheads="1"/>
-            </p:cNvSpPr>
-            <p:nvPr/>
-          </p:nvSpPr>
-          <p:spPr bwMode="auto">
-            <a:xfrm>
-              <a:off x="642910" y="2714620"/>
-              <a:ext cx="1071570" cy="1002971"/>
-            </a:xfrm>
-            <a:prstGeom prst="rect">
-              <a:avLst/>
-            </a:prstGeom>
-            <a:noFill/>
-            <a:ln>
-              <a:noFill/>
-            </a:ln>
-            <a:extLst>
-              <a:ext uri="{909E8E84-426E-40DD-AFC4-6F175D3DCCD1}">
-                <a14:hiddenFill xmlns:a14="http://schemas.microsoft.com/office/drawing/2010/main">
-                  <a:solidFill>
-                    <a:srgbClr val="FFFFFF"/>
-                  </a:solidFill>
-                </a14:hiddenFill>
-              </a:ext>
-              <a:ext uri="{91240B29-F687-4F45-9708-019B960494DF}">
-                <a14:hiddenLine xmlns:a14="http://schemas.microsoft.com/office/drawing/2010/main" w="9525">
-                  <a:solidFill>
-                    <a:srgbClr val="000000"/>
-                  </a:solidFill>
-                  <a:miter lim="800000"/>
-                  <a:headEnd/>
-                  <a:tailEnd/>
-                </a14:hiddenLine>
-              </a:ext>
-            </a:extLst>
-          </p:spPr>
-          <p:txBody>
-            <a:bodyPr>
-              <a:spAutoFit/>
-            </a:bodyPr>
-            <a:lstStyle>
-              <a:lvl1pPr eaLnBrk="0" hangingPunct="0">
-                <a:defRPr sz="2400">
-                  <a:solidFill>
-                    <a:schemeClr val="tx1"/>
-                  </a:solidFill>
-                  <a:latin typeface="Times New Roman" pitchFamily="18" charset="0"/>
-                </a:defRPr>
-              </a:lvl1pPr>
-              <a:lvl2pPr marL="742950" indent="-285750" eaLnBrk="0" hangingPunct="0">
-                <a:defRPr sz="2400">
-                  <a:solidFill>
-                    <a:schemeClr val="tx1"/>
-                  </a:solidFill>
-                  <a:latin typeface="Times New Roman" pitchFamily="18" charset="0"/>
-                </a:defRPr>
-              </a:lvl2pPr>
-              <a:lvl3pPr marL="1143000" indent="-228600" eaLnBrk="0" hangingPunct="0">
-                <a:defRPr sz="2400">
-                  <a:solidFill>
-                    <a:schemeClr val="tx1"/>
-                  </a:solidFill>
-                  <a:latin typeface="Times New Roman" pitchFamily="18" charset="0"/>
-                </a:defRPr>
-              </a:lvl3pPr>
-              <a:lvl4pPr marL="1600200" indent="-228600" eaLnBrk="0" hangingPunct="0">
-                <a:defRPr sz="2400">
-                  <a:solidFill>
-                    <a:schemeClr val="tx1"/>
-                  </a:solidFill>
-                  <a:latin typeface="Times New Roman" pitchFamily="18" charset="0"/>
-                </a:defRPr>
-              </a:lvl4pPr>
-              <a:lvl5pPr marL="2057400" indent="-228600" eaLnBrk="0" hangingPunct="0">
-                <a:defRPr sz="2400">
-                  <a:solidFill>
-                    <a:schemeClr val="tx1"/>
-                  </a:solidFill>
-                  <a:latin typeface="Times New Roman" pitchFamily="18" charset="0"/>
-                </a:defRPr>
-              </a:lvl5pPr>
-              <a:lvl6pPr marL="2514600" indent="-228600" eaLnBrk="0" fontAlgn="base" hangingPunct="0">
-                <a:spcBef>
-                  <a:spcPct val="0"/>
-                </a:spcBef>
-                <a:spcAft>
-                  <a:spcPct val="0"/>
-                </a:spcAft>
-                <a:defRPr sz="2400">
-                  <a:solidFill>
-                    <a:schemeClr val="tx1"/>
-                  </a:solidFill>
-                  <a:latin typeface="Times New Roman" pitchFamily="18" charset="0"/>
-                </a:defRPr>
-              </a:lvl6pPr>
-              <a:lvl7pPr marL="2971800" indent="-228600" eaLnBrk="0" fontAlgn="base" hangingPunct="0">
-                <a:spcBef>
-                  <a:spcPct val="0"/>
-                </a:spcBef>
-                <a:spcAft>
-                  <a:spcPct val="0"/>
-                </a:spcAft>
-                <a:defRPr sz="2400">
-                  <a:solidFill>
-                    <a:schemeClr val="tx1"/>
-                  </a:solidFill>
-                  <a:latin typeface="Times New Roman" pitchFamily="18" charset="0"/>
-                </a:defRPr>
-              </a:lvl7pPr>
-              <a:lvl8pPr marL="3429000" indent="-228600" eaLnBrk="0" fontAlgn="base" hangingPunct="0">
-                <a:spcBef>
-                  <a:spcPct val="0"/>
-                </a:spcBef>
-                <a:spcAft>
-                  <a:spcPct val="0"/>
-                </a:spcAft>
-                <a:defRPr sz="2400">
-                  <a:solidFill>
-                    <a:schemeClr val="tx1"/>
-                  </a:solidFill>
-                  <a:latin typeface="Times New Roman" pitchFamily="18" charset="0"/>
-                </a:defRPr>
-              </a:lvl8pPr>
-              <a:lvl9pPr marL="3886200" indent="-228600" eaLnBrk="0" fontAlgn="base" hangingPunct="0">
-                <a:spcBef>
-                  <a:spcPct val="0"/>
-                </a:spcBef>
-                <a:spcAft>
-                  <a:spcPct val="0"/>
-                </a:spcAft>
-                <a:defRPr sz="2400">
-                  <a:solidFill>
-                    <a:schemeClr val="tx1"/>
-                  </a:solidFill>
-                  <a:latin typeface="Times New Roman" pitchFamily="18" charset="0"/>
-                </a:defRPr>
-              </a:lvl9pPr>
-            </a:lstStyle>
-            <a:p>
-              <a:pPr algn="just" eaLnBrk="1" hangingPunct="1">
-                <a:lnSpc>
-                  <a:spcPct val="150000"/>
-                </a:lnSpc>
-              </a:pPr>
-              <a:r>
-                <a:rPr lang="es-MX" sz="4400" dirty="0">
-                  <a:latin typeface="ZapfHumnst BT"/>
-                </a:rPr>
-                <a:t>t</a:t>
-              </a:r>
-              <a:r>
-                <a:rPr lang="es-MX" sz="1800" dirty="0">
-                  <a:latin typeface="ZapfHumnst BT"/>
-                </a:rPr>
-                <a:t> </a:t>
-              </a:r>
-              <a:r>
-                <a:rPr lang="es-MX" sz="1800" dirty="0" err="1">
-                  <a:latin typeface="ZapfHumnst BT"/>
-                </a:rPr>
-                <a:t>tx</a:t>
-              </a:r>
-              <a:r>
-                <a:rPr lang="es-MX" sz="1800" dirty="0">
-                  <a:latin typeface="ZapfHumnst BT"/>
-                </a:rPr>
-                <a:t>  =</a:t>
-              </a:r>
-              <a:endParaRPr lang="es-MX" sz="1800" b="1" dirty="0">
-                <a:latin typeface="ZapfHumnst BT"/>
-              </a:endParaRPr>
-            </a:p>
-          </p:txBody>
-        </p:sp>
-        <p:sp>
-          <p:nvSpPr>
-            <p:cNvPr id="28681" name="7 CuadroTexto"/>
-            <p:cNvSpPr txBox="1">
-              <a:spLocks noChangeArrowheads="1"/>
-            </p:cNvSpPr>
-            <p:nvPr/>
-          </p:nvSpPr>
-          <p:spPr bwMode="auto">
-            <a:xfrm>
-              <a:off x="1541785" y="2496529"/>
-              <a:ext cx="2630467" cy="754648"/>
-            </a:xfrm>
-            <a:prstGeom prst="rect">
-              <a:avLst/>
-            </a:prstGeom>
-            <a:noFill/>
-            <a:ln>
-              <a:noFill/>
-            </a:ln>
-            <a:extLst>
-              <a:ext uri="{909E8E84-426E-40DD-AFC4-6F175D3DCCD1}">
-                <a14:hiddenFill xmlns:a14="http://schemas.microsoft.com/office/drawing/2010/main">
-                  <a:solidFill>
-                    <a:srgbClr val="FFFFFF"/>
-                  </a:solidFill>
-                </a14:hiddenFill>
-              </a:ext>
-              <a:ext uri="{91240B29-F687-4F45-9708-019B960494DF}">
-                <a14:hiddenLine xmlns:a14="http://schemas.microsoft.com/office/drawing/2010/main" w="9525">
-                  <a:solidFill>
-                    <a:srgbClr val="000000"/>
-                  </a:solidFill>
-                  <a:miter lim="800000"/>
-                  <a:headEnd/>
-                  <a:tailEnd/>
-                </a14:hiddenLine>
-              </a:ext>
-            </a:extLst>
-          </p:spPr>
-          <p:txBody>
-            <a:bodyPr wrap="square">
-              <a:spAutoFit/>
-            </a:bodyPr>
-            <a:lstStyle>
-              <a:lvl1pPr eaLnBrk="0" hangingPunct="0">
-                <a:defRPr sz="2400">
-                  <a:solidFill>
-                    <a:schemeClr val="tx1"/>
-                  </a:solidFill>
-                  <a:latin typeface="Times New Roman" pitchFamily="18" charset="0"/>
-                </a:defRPr>
-              </a:lvl1pPr>
-              <a:lvl2pPr marL="742950" indent="-285750" eaLnBrk="0" hangingPunct="0">
-                <a:defRPr sz="2400">
-                  <a:solidFill>
-                    <a:schemeClr val="tx1"/>
-                  </a:solidFill>
-                  <a:latin typeface="Times New Roman" pitchFamily="18" charset="0"/>
-                </a:defRPr>
-              </a:lvl2pPr>
-              <a:lvl3pPr marL="1143000" indent="-228600" eaLnBrk="0" hangingPunct="0">
-                <a:defRPr sz="2400">
-                  <a:solidFill>
-                    <a:schemeClr val="tx1"/>
-                  </a:solidFill>
-                  <a:latin typeface="Times New Roman" pitchFamily="18" charset="0"/>
-                </a:defRPr>
-              </a:lvl3pPr>
-              <a:lvl4pPr marL="1600200" indent="-228600" eaLnBrk="0" hangingPunct="0">
-                <a:defRPr sz="2400">
-                  <a:solidFill>
-                    <a:schemeClr val="tx1"/>
-                  </a:solidFill>
-                  <a:latin typeface="Times New Roman" pitchFamily="18" charset="0"/>
-                </a:defRPr>
-              </a:lvl4pPr>
-              <a:lvl5pPr marL="2057400" indent="-228600" eaLnBrk="0" hangingPunct="0">
-                <a:defRPr sz="2400">
-                  <a:solidFill>
-                    <a:schemeClr val="tx1"/>
-                  </a:solidFill>
-                  <a:latin typeface="Times New Roman" pitchFamily="18" charset="0"/>
-                </a:defRPr>
-              </a:lvl5pPr>
-              <a:lvl6pPr marL="2514600" indent="-228600" eaLnBrk="0" fontAlgn="base" hangingPunct="0">
-                <a:spcBef>
-                  <a:spcPct val="0"/>
-                </a:spcBef>
-                <a:spcAft>
-                  <a:spcPct val="0"/>
-                </a:spcAft>
-                <a:defRPr sz="2400">
-                  <a:solidFill>
-                    <a:schemeClr val="tx1"/>
-                  </a:solidFill>
-                  <a:latin typeface="Times New Roman" pitchFamily="18" charset="0"/>
-                </a:defRPr>
-              </a:lvl6pPr>
-              <a:lvl7pPr marL="2971800" indent="-228600" eaLnBrk="0" fontAlgn="base" hangingPunct="0">
-                <a:spcBef>
-                  <a:spcPct val="0"/>
-                </a:spcBef>
-                <a:spcAft>
-                  <a:spcPct val="0"/>
-                </a:spcAft>
-                <a:defRPr sz="2400">
-                  <a:solidFill>
-                    <a:schemeClr val="tx1"/>
-                  </a:solidFill>
-                  <a:latin typeface="Times New Roman" pitchFamily="18" charset="0"/>
-                </a:defRPr>
-              </a:lvl7pPr>
-              <a:lvl8pPr marL="3429000" indent="-228600" eaLnBrk="0" fontAlgn="base" hangingPunct="0">
-                <a:spcBef>
-                  <a:spcPct val="0"/>
-                </a:spcBef>
-                <a:spcAft>
-                  <a:spcPct val="0"/>
-                </a:spcAft>
-                <a:defRPr sz="2400">
-                  <a:solidFill>
-                    <a:schemeClr val="tx1"/>
-                  </a:solidFill>
-                  <a:latin typeface="Times New Roman" pitchFamily="18" charset="0"/>
-                </a:defRPr>
-              </a:lvl8pPr>
-              <a:lvl9pPr marL="3886200" indent="-228600" eaLnBrk="0" fontAlgn="base" hangingPunct="0">
-                <a:spcBef>
-                  <a:spcPct val="0"/>
-                </a:spcBef>
-                <a:spcAft>
-                  <a:spcPct val="0"/>
-                </a:spcAft>
-                <a:defRPr sz="2400">
-                  <a:solidFill>
-                    <a:schemeClr val="tx1"/>
-                  </a:solidFill>
-                  <a:latin typeface="Times New Roman" pitchFamily="18" charset="0"/>
-                </a:defRPr>
-              </a:lvl9pPr>
-            </a:lstStyle>
-            <a:p>
-              <a:pPr algn="just" eaLnBrk="1" hangingPunct="1">
-                <a:lnSpc>
-                  <a:spcPct val="150000"/>
-                </a:lnSpc>
-              </a:pPr>
-              <a:r>
-                <a:rPr lang="es-MX" sz="3200" dirty="0">
-                  <a:latin typeface="ZapfHumnst BT"/>
-                </a:rPr>
-                <a:t># bits / #bytes</a:t>
-              </a:r>
-            </a:p>
-          </p:txBody>
-        </p:sp>
-        <p:cxnSp>
-          <p:nvCxnSpPr>
-            <p:cNvPr id="28682" name="9 Conector recto"/>
-            <p:cNvCxnSpPr>
-              <a:cxnSpLocks noChangeShapeType="1"/>
-            </p:cNvCxnSpPr>
-            <p:nvPr/>
-          </p:nvCxnSpPr>
-          <p:spPr bwMode="auto">
-            <a:xfrm>
-              <a:off x="1541785" y="3566790"/>
-              <a:ext cx="2497478" cy="0"/>
-            </a:xfrm>
-            <a:prstGeom prst="line">
-              <a:avLst/>
-            </a:prstGeom>
-            <a:noFill/>
-            <a:ln w="38100" algn="ctr">
-              <a:solidFill>
-                <a:schemeClr val="tx1"/>
-              </a:solidFill>
-              <a:round/>
-              <a:headEnd/>
-              <a:tailEnd/>
-            </a:ln>
-            <a:extLst>
-              <a:ext uri="{909E8E84-426E-40DD-AFC4-6F175D3DCCD1}">
-                <a14:hiddenFill xmlns:a14="http://schemas.microsoft.com/office/drawing/2010/main">
-                  <a:noFill/>
-                </a14:hiddenFill>
-              </a:ext>
-            </a:extLst>
-          </p:spPr>
-        </p:cxnSp>
-        <p:sp>
-          <p:nvSpPr>
-            <p:cNvPr id="28683" name="10 CuadroTexto"/>
-            <p:cNvSpPr txBox="1">
-              <a:spLocks noChangeArrowheads="1"/>
-            </p:cNvSpPr>
-            <p:nvPr/>
-          </p:nvSpPr>
-          <p:spPr bwMode="auto">
-            <a:xfrm>
-              <a:off x="2412886" y="3434884"/>
-              <a:ext cx="864102" cy="963042"/>
-            </a:xfrm>
-            <a:prstGeom prst="rect">
-              <a:avLst/>
-            </a:prstGeom>
-            <a:noFill/>
-            <a:ln>
-              <a:noFill/>
-            </a:ln>
-            <a:extLst>
-              <a:ext uri="{909E8E84-426E-40DD-AFC4-6F175D3DCCD1}">
-                <a14:hiddenFill xmlns:a14="http://schemas.microsoft.com/office/drawing/2010/main">
-                  <a:solidFill>
-                    <a:srgbClr val="FFFFFF"/>
-                  </a:solidFill>
-                </a14:hiddenFill>
-              </a:ext>
-              <a:ext uri="{91240B29-F687-4F45-9708-019B960494DF}">
-                <a14:hiddenLine xmlns:a14="http://schemas.microsoft.com/office/drawing/2010/main" w="9525">
-                  <a:solidFill>
-                    <a:srgbClr val="000000"/>
-                  </a:solidFill>
-                  <a:miter lim="800000"/>
-                  <a:headEnd/>
-                  <a:tailEnd/>
-                </a14:hiddenLine>
-              </a:ext>
-            </a:extLst>
-          </p:spPr>
-          <p:txBody>
-            <a:bodyPr wrap="square">
-              <a:spAutoFit/>
-            </a:bodyPr>
-            <a:lstStyle>
-              <a:lvl1pPr eaLnBrk="0" hangingPunct="0">
-                <a:defRPr sz="2400">
-                  <a:solidFill>
-                    <a:schemeClr val="tx1"/>
-                  </a:solidFill>
-                  <a:latin typeface="Times New Roman" pitchFamily="18" charset="0"/>
-                </a:defRPr>
-              </a:lvl1pPr>
-              <a:lvl2pPr marL="742950" indent="-285750" eaLnBrk="0" hangingPunct="0">
-                <a:defRPr sz="2400">
-                  <a:solidFill>
-                    <a:schemeClr val="tx1"/>
-                  </a:solidFill>
-                  <a:latin typeface="Times New Roman" pitchFamily="18" charset="0"/>
-                </a:defRPr>
-              </a:lvl2pPr>
-              <a:lvl3pPr marL="1143000" indent="-228600" eaLnBrk="0" hangingPunct="0">
-                <a:defRPr sz="2400">
-                  <a:solidFill>
-                    <a:schemeClr val="tx1"/>
-                  </a:solidFill>
-                  <a:latin typeface="Times New Roman" pitchFamily="18" charset="0"/>
-                </a:defRPr>
-              </a:lvl3pPr>
-              <a:lvl4pPr marL="1600200" indent="-228600" eaLnBrk="0" hangingPunct="0">
-                <a:defRPr sz="2400">
-                  <a:solidFill>
-                    <a:schemeClr val="tx1"/>
-                  </a:solidFill>
-                  <a:latin typeface="Times New Roman" pitchFamily="18" charset="0"/>
-                </a:defRPr>
-              </a:lvl4pPr>
-              <a:lvl5pPr marL="2057400" indent="-228600" eaLnBrk="0" hangingPunct="0">
-                <a:defRPr sz="2400">
-                  <a:solidFill>
-                    <a:schemeClr val="tx1"/>
-                  </a:solidFill>
-                  <a:latin typeface="Times New Roman" pitchFamily="18" charset="0"/>
-                </a:defRPr>
-              </a:lvl5pPr>
-              <a:lvl6pPr marL="2514600" indent="-228600" eaLnBrk="0" fontAlgn="base" hangingPunct="0">
-                <a:spcBef>
-                  <a:spcPct val="0"/>
-                </a:spcBef>
-                <a:spcAft>
-                  <a:spcPct val="0"/>
-                </a:spcAft>
-                <a:defRPr sz="2400">
-                  <a:solidFill>
-                    <a:schemeClr val="tx1"/>
-                  </a:solidFill>
-                  <a:latin typeface="Times New Roman" pitchFamily="18" charset="0"/>
-                </a:defRPr>
-              </a:lvl6pPr>
-              <a:lvl7pPr marL="2971800" indent="-228600" eaLnBrk="0" fontAlgn="base" hangingPunct="0">
-                <a:spcBef>
-                  <a:spcPct val="0"/>
-                </a:spcBef>
-                <a:spcAft>
-                  <a:spcPct val="0"/>
-                </a:spcAft>
-                <a:defRPr sz="2400">
-                  <a:solidFill>
-                    <a:schemeClr val="tx1"/>
-                  </a:solidFill>
-                  <a:latin typeface="Times New Roman" pitchFamily="18" charset="0"/>
-                </a:defRPr>
-              </a:lvl7pPr>
-              <a:lvl8pPr marL="3429000" indent="-228600" eaLnBrk="0" fontAlgn="base" hangingPunct="0">
-                <a:spcBef>
-                  <a:spcPct val="0"/>
-                </a:spcBef>
-                <a:spcAft>
-                  <a:spcPct val="0"/>
-                </a:spcAft>
-                <a:defRPr sz="2400">
-                  <a:solidFill>
-                    <a:schemeClr val="tx1"/>
-                  </a:solidFill>
-                  <a:latin typeface="Times New Roman" pitchFamily="18" charset="0"/>
-                </a:defRPr>
-              </a:lvl8pPr>
-              <a:lvl9pPr marL="3886200" indent="-228600" eaLnBrk="0" fontAlgn="base" hangingPunct="0">
-                <a:spcBef>
-                  <a:spcPct val="0"/>
-                </a:spcBef>
-                <a:spcAft>
-                  <a:spcPct val="0"/>
-                </a:spcAft>
-                <a:defRPr sz="2400">
-                  <a:solidFill>
-                    <a:schemeClr val="tx1"/>
-                  </a:solidFill>
-                  <a:latin typeface="Times New Roman" pitchFamily="18" charset="0"/>
-                </a:defRPr>
-              </a:lvl9pPr>
-            </a:lstStyle>
-            <a:p>
-              <a:pPr algn="just" eaLnBrk="1" hangingPunct="1">
-                <a:lnSpc>
-                  <a:spcPct val="150000"/>
-                </a:lnSpc>
-              </a:pPr>
-              <a:r>
-                <a:rPr lang="es-MX" sz="3600" dirty="0">
-                  <a:latin typeface="ZapfHumnst BT"/>
-                </a:rPr>
-                <a:t>B</a:t>
-              </a:r>
-              <a:r>
-                <a:rPr lang="es-MX" sz="1800" dirty="0">
-                  <a:latin typeface="ZapfHumnst BT"/>
-                </a:rPr>
-                <a:t> </a:t>
-              </a:r>
-              <a:r>
-                <a:rPr lang="es-MX" sz="1800" dirty="0" err="1">
-                  <a:latin typeface="ZapfHumnst BT"/>
-                </a:rPr>
-                <a:t>tx</a:t>
-              </a:r>
-              <a:endParaRPr lang="es-MX" sz="1800" b="1" dirty="0">
-                <a:latin typeface="ZapfHumnst BT"/>
-              </a:endParaRPr>
-            </a:p>
-          </p:txBody>
-        </p:sp>
-      </p:grpSp>
-      <p:sp>
-        <p:nvSpPr>
-          <p:cNvPr id="32775" name="12 CuadroTexto"/>
-          <p:cNvSpPr txBox="1">
-            <a:spLocks noChangeArrowheads="1"/>
-          </p:cNvSpPr>
-          <p:nvPr/>
-        </p:nvSpPr>
-        <p:spPr bwMode="auto">
-          <a:xfrm>
-            <a:off x="770600" y="4289489"/>
-            <a:ext cx="4178524" cy="1345497"/>
-          </a:xfrm>
-          <a:prstGeom prst="rect">
-            <a:avLst/>
-          </a:prstGeom>
-          <a:noFill/>
-          <a:ln>
-            <a:noFill/>
-          </a:ln>
-          <a:extLst>
-            <a:ext uri="{909E8E84-426E-40DD-AFC4-6F175D3DCCD1}">
-              <a14:hiddenFill xmlns:a14="http://schemas.microsoft.com/office/drawing/2010/main">
-                <a:solidFill>
-                  <a:srgbClr val="FFFFFF"/>
-                </a:solidFill>
-              </a14:hiddenFill>
-            </a:ext>
-            <a:ext uri="{91240B29-F687-4F45-9708-019B960494DF}">
-              <a14:hiddenLine xmlns:a14="http://schemas.microsoft.com/office/drawing/2010/main" w="9525">
-                <a:solidFill>
-                  <a:srgbClr val="000000"/>
-                </a:solidFill>
-                <a:miter lim="800000"/>
-                <a:headEnd/>
-                <a:tailEnd/>
-              </a14:hiddenLine>
-            </a:ext>
-          </a:extLst>
-        </p:spPr>
-        <p:txBody>
-          <a:bodyPr wrap="square">
-            <a:spAutoFit/>
-          </a:bodyPr>
-          <a:lstStyle>
-            <a:lvl1pPr eaLnBrk="0" hangingPunct="0">
-              <a:defRPr sz="2400">
-                <a:solidFill>
-                  <a:schemeClr val="tx1"/>
-                </a:solidFill>
-                <a:latin typeface="Times New Roman" pitchFamily="18" charset="0"/>
-              </a:defRPr>
-            </a:lvl1pPr>
-            <a:lvl2pPr marL="742950" indent="-285750" eaLnBrk="0" hangingPunct="0">
-              <a:defRPr sz="2400">
-                <a:solidFill>
-                  <a:schemeClr val="tx1"/>
-                </a:solidFill>
-                <a:latin typeface="Times New Roman" pitchFamily="18" charset="0"/>
-              </a:defRPr>
-            </a:lvl2pPr>
-            <a:lvl3pPr marL="1143000" indent="-228600" eaLnBrk="0" hangingPunct="0">
-              <a:defRPr sz="2400">
-                <a:solidFill>
-                  <a:schemeClr val="tx1"/>
-                </a:solidFill>
-                <a:latin typeface="Times New Roman" pitchFamily="18" charset="0"/>
-              </a:defRPr>
-            </a:lvl3pPr>
-            <a:lvl4pPr marL="1600200" indent="-228600" eaLnBrk="0" hangingPunct="0">
-              <a:defRPr sz="2400">
-                <a:solidFill>
-                  <a:schemeClr val="tx1"/>
-                </a:solidFill>
-                <a:latin typeface="Times New Roman" pitchFamily="18" charset="0"/>
-              </a:defRPr>
-            </a:lvl4pPr>
-            <a:lvl5pPr marL="2057400" indent="-228600" eaLnBrk="0" hangingPunct="0">
-              <a:defRPr sz="2400">
-                <a:solidFill>
-                  <a:schemeClr val="tx1"/>
-                </a:solidFill>
-                <a:latin typeface="Times New Roman" pitchFamily="18" charset="0"/>
-              </a:defRPr>
-            </a:lvl5pPr>
-            <a:lvl6pPr marL="2514600" indent="-228600" eaLnBrk="0" fontAlgn="base" hangingPunct="0">
-              <a:spcBef>
-                <a:spcPct val="0"/>
-              </a:spcBef>
-              <a:spcAft>
-                <a:spcPct val="0"/>
-              </a:spcAft>
-              <a:defRPr sz="2400">
-                <a:solidFill>
-                  <a:schemeClr val="tx1"/>
-                </a:solidFill>
-                <a:latin typeface="Times New Roman" pitchFamily="18" charset="0"/>
-              </a:defRPr>
-            </a:lvl6pPr>
-            <a:lvl7pPr marL="2971800" indent="-228600" eaLnBrk="0" fontAlgn="base" hangingPunct="0">
-              <a:spcBef>
-                <a:spcPct val="0"/>
-              </a:spcBef>
-              <a:spcAft>
-                <a:spcPct val="0"/>
-              </a:spcAft>
-              <a:defRPr sz="2400">
-                <a:solidFill>
-                  <a:schemeClr val="tx1"/>
-                </a:solidFill>
-                <a:latin typeface="Times New Roman" pitchFamily="18" charset="0"/>
-              </a:defRPr>
-            </a:lvl7pPr>
-            <a:lvl8pPr marL="3429000" indent="-228600" eaLnBrk="0" fontAlgn="base" hangingPunct="0">
-              <a:spcBef>
-                <a:spcPct val="0"/>
-              </a:spcBef>
-              <a:spcAft>
-                <a:spcPct val="0"/>
-              </a:spcAft>
-              <a:defRPr sz="2400">
-                <a:solidFill>
-                  <a:schemeClr val="tx1"/>
-                </a:solidFill>
-                <a:latin typeface="Times New Roman" pitchFamily="18" charset="0"/>
-              </a:defRPr>
-            </a:lvl8pPr>
-            <a:lvl9pPr marL="3886200" indent="-228600" eaLnBrk="0" fontAlgn="base" hangingPunct="0">
-              <a:spcBef>
-                <a:spcPct val="0"/>
-              </a:spcBef>
-              <a:spcAft>
-                <a:spcPct val="0"/>
-              </a:spcAft>
-              <a:defRPr sz="2400">
-                <a:solidFill>
-                  <a:schemeClr val="tx1"/>
-                </a:solidFill>
-                <a:latin typeface="Times New Roman" pitchFamily="18" charset="0"/>
-              </a:defRPr>
-            </a:lvl9pPr>
-          </a:lstStyle>
-          <a:p>
-            <a:pPr algn="just" eaLnBrk="1" hangingPunct="1">
-              <a:lnSpc>
-                <a:spcPts val="3363"/>
-              </a:lnSpc>
-            </a:pPr>
-            <a:r>
-              <a:rPr lang="es-MX" sz="1800" dirty="0">
-                <a:latin typeface="ZapfHumnst BT"/>
-              </a:rPr>
-              <a:t>Si hablamos de :</a:t>
-            </a:r>
-          </a:p>
-          <a:p>
-            <a:pPr algn="just" eaLnBrk="1" hangingPunct="1">
-              <a:lnSpc>
-                <a:spcPts val="3363"/>
-              </a:lnSpc>
-              <a:buFont typeface="Arial" pitchFamily="34" charset="0"/>
-              <a:buChar char="•"/>
-            </a:pPr>
-            <a:r>
-              <a:rPr lang="es-MX" sz="1600" b="1" dirty="0">
-                <a:solidFill>
-                  <a:schemeClr val="tx2">
-                    <a:lumMod val="60000"/>
-                    <a:lumOff val="40000"/>
-                  </a:schemeClr>
-                </a:solidFill>
-                <a:latin typeface="ZapfHumnst BT"/>
-              </a:rPr>
-              <a:t>  Información:</a:t>
-            </a:r>
-            <a:r>
-              <a:rPr lang="es-MX" sz="1600" dirty="0">
-                <a:latin typeface="ZapfHumnst BT"/>
-              </a:rPr>
-              <a:t> 1 kbit = 2</a:t>
-            </a:r>
-            <a:r>
-              <a:rPr lang="es-MX" sz="1600" baseline="30000" dirty="0">
-                <a:latin typeface="ZapfHumnst BT"/>
-              </a:rPr>
-              <a:t>10</a:t>
-            </a:r>
-            <a:r>
-              <a:rPr lang="es-MX" sz="1600" dirty="0">
-                <a:latin typeface="ZapfHumnst BT"/>
-              </a:rPr>
-              <a:t> bits = 1024 bits</a:t>
-            </a:r>
-          </a:p>
-          <a:p>
-            <a:pPr algn="just" eaLnBrk="1" hangingPunct="1">
-              <a:lnSpc>
-                <a:spcPts val="3363"/>
-              </a:lnSpc>
-              <a:buFont typeface="Arial" pitchFamily="34" charset="0"/>
-              <a:buChar char="•"/>
-            </a:pPr>
-            <a:r>
-              <a:rPr lang="es-MX" sz="1600" b="1" dirty="0">
-                <a:solidFill>
-                  <a:schemeClr val="accent5">
-                    <a:lumMod val="75000"/>
-                  </a:schemeClr>
-                </a:solidFill>
-                <a:latin typeface="ZapfHumnst BT"/>
-              </a:rPr>
-              <a:t>  </a:t>
-            </a:r>
-            <a:r>
-              <a:rPr lang="es-MX" sz="1600" b="1" dirty="0">
-                <a:solidFill>
-                  <a:schemeClr val="tx2">
-                    <a:lumMod val="60000"/>
-                    <a:lumOff val="40000"/>
-                  </a:schemeClr>
-                </a:solidFill>
-                <a:latin typeface="ZapfHumnst BT"/>
-              </a:rPr>
-              <a:t>Velocidad:</a:t>
-            </a:r>
-            <a:r>
-              <a:rPr lang="es-MX" sz="1600" b="1" dirty="0">
-                <a:solidFill>
-                  <a:schemeClr val="accent5">
-                    <a:lumMod val="75000"/>
-                  </a:schemeClr>
-                </a:solidFill>
-                <a:latin typeface="ZapfHumnst BT"/>
-              </a:rPr>
-              <a:t> </a:t>
-            </a:r>
-            <a:r>
-              <a:rPr lang="es-MX" sz="1600" dirty="0">
-                <a:latin typeface="ZapfHumnst BT"/>
-              </a:rPr>
-              <a:t>1kbit = 10</a:t>
-            </a:r>
-            <a:r>
-              <a:rPr lang="es-MX" sz="1600" baseline="30000" dirty="0">
-                <a:latin typeface="ZapfHumnst BT"/>
-              </a:rPr>
-              <a:t>3</a:t>
-            </a:r>
-            <a:r>
-              <a:rPr lang="es-MX" sz="1600" dirty="0">
-                <a:latin typeface="ZapfHumnst BT"/>
-              </a:rPr>
-              <a:t> bits = 1000 bits</a:t>
-            </a:r>
-          </a:p>
-        </p:txBody>
-      </p:sp>
-      <p:sp>
-        <p:nvSpPr>
-          <p:cNvPr id="12" name="Rectangle 2"/>
-          <p:cNvSpPr txBox="1">
-            <a:spLocks noChangeArrowheads="1"/>
-          </p:cNvSpPr>
-          <p:nvPr/>
-        </p:nvSpPr>
-        <p:spPr>
-          <a:xfrm>
-            <a:off x="89756" y="306620"/>
-            <a:ext cx="8964488" cy="1143000"/>
-          </a:xfrm>
-          <a:prstGeom prst="rect">
-            <a:avLst/>
-          </a:prstGeom>
-        </p:spPr>
-        <p:txBody>
-          <a:bodyPr vert="horz" lIns="92075" tIns="46038" rIns="92075" bIns="46038" rtlCol="0" anchor="ctr">
-            <a:noAutofit/>
-          </a:bodyPr>
-          <a:lstStyle>
-            <a:lvl1pPr algn="ctr" defTabSz="914400" rtl="0" eaLnBrk="1" latinLnBrk="0" hangingPunct="1">
-              <a:spcBef>
-                <a:spcPct val="0"/>
-              </a:spcBef>
-              <a:buNone/>
-              <a:defRPr sz="4400" kern="1200">
-                <a:solidFill>
-                  <a:schemeClr val="tx1"/>
-                </a:solidFill>
-                <a:latin typeface="+mj-lt"/>
-                <a:ea typeface="+mj-ea"/>
-                <a:cs typeface="+mj-cs"/>
-              </a:defRPr>
-            </a:lvl1pPr>
-          </a:lstStyle>
-          <a:p>
-            <a:pPr>
-              <a:defRPr/>
-            </a:pPr>
-            <a:r>
-              <a:rPr lang="es-ES_tradnl" sz="3200" dirty="0">
-                <a:solidFill>
-                  <a:srgbClr val="3333CC"/>
-                </a:solidFill>
-                <a:effectLst>
-                  <a:outerShdw blurRad="38100" dist="38100" dir="2700000" algn="tl">
-                    <a:srgbClr val="C0C0C0"/>
-                  </a:outerShdw>
-                </a:effectLst>
-                <a:latin typeface="Dom Casual" charset="0"/>
-              </a:rPr>
-              <a:t> </a:t>
-            </a:r>
-            <a:r>
-              <a:rPr lang="es-ES_tradnl" sz="3200" b="1" dirty="0">
-                <a:solidFill>
-                  <a:schemeClr val="accent4">
-                    <a:lumMod val="50000"/>
-                  </a:schemeClr>
-                </a:solidFill>
-                <a:effectLst>
-                  <a:outerShdw blurRad="38100" dist="38100" dir="2700000" algn="tl">
-                    <a:srgbClr val="C0C0C0"/>
-                  </a:outerShdw>
-                </a:effectLst>
-                <a:latin typeface="Dom Casual" charset="0"/>
-              </a:rPr>
-              <a:t>Tiempo de transmisión</a:t>
-            </a:r>
-          </a:p>
-        </p:txBody>
-      </p:sp>
-      <p:sp>
-        <p:nvSpPr>
-          <p:cNvPr id="14" name="12 CuadroTexto">
-            <a:extLst>
-              <a:ext uri="{FF2B5EF4-FFF2-40B4-BE49-F238E27FC236}">
-                <a16:creationId xmlns:a16="http://schemas.microsoft.com/office/drawing/2014/main" id="{BEAA38EC-54C2-464E-8047-D6880E096E6B}"/>
-              </a:ext>
-            </a:extLst>
-          </p:cNvPr>
-          <p:cNvSpPr txBox="1">
-            <a:spLocks noChangeArrowheads="1"/>
-          </p:cNvSpPr>
-          <p:nvPr/>
-        </p:nvSpPr>
-        <p:spPr bwMode="auto">
-          <a:xfrm>
-            <a:off x="5580112" y="2269485"/>
-            <a:ext cx="2497460" cy="473463"/>
-          </a:xfrm>
-          <a:prstGeom prst="rect">
-            <a:avLst/>
-          </a:prstGeom>
-          <a:noFill/>
-          <a:ln>
-            <a:noFill/>
-          </a:ln>
-          <a:extLst>
-            <a:ext uri="{909E8E84-426E-40DD-AFC4-6F175D3DCCD1}">
-              <a14:hiddenFill xmlns:a14="http://schemas.microsoft.com/office/drawing/2010/main">
-                <a:solidFill>
-                  <a:srgbClr val="FFFFFF"/>
-                </a:solidFill>
-              </a14:hiddenFill>
-            </a:ext>
-            <a:ext uri="{91240B29-F687-4F45-9708-019B960494DF}">
-              <a14:hiddenLine xmlns:a14="http://schemas.microsoft.com/office/drawing/2010/main" w="9525">
-                <a:solidFill>
-                  <a:srgbClr val="000000"/>
-                </a:solidFill>
-                <a:miter lim="800000"/>
-                <a:headEnd/>
-                <a:tailEnd/>
-              </a14:hiddenLine>
-            </a:ext>
-          </a:extLst>
-        </p:spPr>
-        <p:txBody>
-          <a:bodyPr wrap="square">
-            <a:spAutoFit/>
-          </a:bodyPr>
-          <a:lstStyle>
-            <a:lvl1pPr eaLnBrk="0" hangingPunct="0">
-              <a:defRPr sz="2400">
-                <a:solidFill>
-                  <a:schemeClr val="tx1"/>
-                </a:solidFill>
-                <a:latin typeface="Times New Roman" pitchFamily="18" charset="0"/>
-              </a:defRPr>
-            </a:lvl1pPr>
-            <a:lvl2pPr marL="742950" indent="-285750" eaLnBrk="0" hangingPunct="0">
-              <a:defRPr sz="2400">
-                <a:solidFill>
-                  <a:schemeClr val="tx1"/>
-                </a:solidFill>
-                <a:latin typeface="Times New Roman" pitchFamily="18" charset="0"/>
-              </a:defRPr>
-            </a:lvl2pPr>
-            <a:lvl3pPr marL="1143000" indent="-228600" eaLnBrk="0" hangingPunct="0">
-              <a:defRPr sz="2400">
-                <a:solidFill>
-                  <a:schemeClr val="tx1"/>
-                </a:solidFill>
-                <a:latin typeface="Times New Roman" pitchFamily="18" charset="0"/>
-              </a:defRPr>
-            </a:lvl3pPr>
-            <a:lvl4pPr marL="1600200" indent="-228600" eaLnBrk="0" hangingPunct="0">
-              <a:defRPr sz="2400">
-                <a:solidFill>
-                  <a:schemeClr val="tx1"/>
-                </a:solidFill>
-                <a:latin typeface="Times New Roman" pitchFamily="18" charset="0"/>
-              </a:defRPr>
-            </a:lvl4pPr>
-            <a:lvl5pPr marL="2057400" indent="-228600" eaLnBrk="0" hangingPunct="0">
-              <a:defRPr sz="2400">
-                <a:solidFill>
-                  <a:schemeClr val="tx1"/>
-                </a:solidFill>
-                <a:latin typeface="Times New Roman" pitchFamily="18" charset="0"/>
-              </a:defRPr>
-            </a:lvl5pPr>
-            <a:lvl6pPr marL="2514600" indent="-228600" eaLnBrk="0" fontAlgn="base" hangingPunct="0">
-              <a:spcBef>
-                <a:spcPct val="0"/>
-              </a:spcBef>
-              <a:spcAft>
-                <a:spcPct val="0"/>
-              </a:spcAft>
-              <a:defRPr sz="2400">
-                <a:solidFill>
-                  <a:schemeClr val="tx1"/>
-                </a:solidFill>
-                <a:latin typeface="Times New Roman" pitchFamily="18" charset="0"/>
-              </a:defRPr>
-            </a:lvl6pPr>
-            <a:lvl7pPr marL="2971800" indent="-228600" eaLnBrk="0" fontAlgn="base" hangingPunct="0">
-              <a:spcBef>
-                <a:spcPct val="0"/>
-              </a:spcBef>
-              <a:spcAft>
-                <a:spcPct val="0"/>
-              </a:spcAft>
-              <a:defRPr sz="2400">
-                <a:solidFill>
-                  <a:schemeClr val="tx1"/>
-                </a:solidFill>
-                <a:latin typeface="Times New Roman" pitchFamily="18" charset="0"/>
-              </a:defRPr>
-            </a:lvl7pPr>
-            <a:lvl8pPr marL="3429000" indent="-228600" eaLnBrk="0" fontAlgn="base" hangingPunct="0">
-              <a:spcBef>
-                <a:spcPct val="0"/>
-              </a:spcBef>
-              <a:spcAft>
-                <a:spcPct val="0"/>
-              </a:spcAft>
-              <a:defRPr sz="2400">
-                <a:solidFill>
-                  <a:schemeClr val="tx1"/>
-                </a:solidFill>
-                <a:latin typeface="Times New Roman" pitchFamily="18" charset="0"/>
-              </a:defRPr>
-            </a:lvl8pPr>
-            <a:lvl9pPr marL="3886200" indent="-228600" eaLnBrk="0" fontAlgn="base" hangingPunct="0">
-              <a:spcBef>
-                <a:spcPct val="0"/>
-              </a:spcBef>
-              <a:spcAft>
-                <a:spcPct val="0"/>
-              </a:spcAft>
-              <a:defRPr sz="2400">
-                <a:solidFill>
-                  <a:schemeClr val="tx1"/>
-                </a:solidFill>
-                <a:latin typeface="Times New Roman" pitchFamily="18" charset="0"/>
-              </a:defRPr>
-            </a:lvl9pPr>
-          </a:lstStyle>
-          <a:p>
-            <a:pPr algn="ctr" eaLnBrk="1" hangingPunct="1">
-              <a:lnSpc>
-                <a:spcPts val="3363"/>
-              </a:lnSpc>
-            </a:pPr>
-            <a:r>
-              <a:rPr lang="es-MX" sz="1600" b="1" dirty="0">
-                <a:solidFill>
-                  <a:srgbClr val="FF0000"/>
-                </a:solidFill>
-                <a:latin typeface="ZapfHumnst BT"/>
-              </a:rPr>
-              <a:t>1 Megabyte = 8 Megabits</a:t>
-            </a:r>
-          </a:p>
-        </p:txBody>
-      </p:sp>
-    </p:spTree>
-    <p:extLst>
-      <p:ext uri="{BB962C8B-B14F-4D97-AF65-F5344CB8AC3E}">
-        <p14:creationId xmlns:p14="http://schemas.microsoft.com/office/powerpoint/2010/main" val="2641096620"/>
-      </p:ext>
-    </p:extLst>
-  </p:cSld>
-  <p:clrMapOvr>
-    <a:masterClrMapping/>
-  </p:clrMapOvr>
-  <p:timing>
-    <p:tnLst>
-      <p:par>
-        <p:cTn id="1" dur="indefinite" restart="never" nodeType="tmRoot">
-          <p:childTnLst>
-            <p:seq concurrent="1" nextAc="seek">
-              <p:cTn id="2" dur="indefinite" nodeType="mainSeq">
-                <p:childTnLst>
-                  <p:par>
-                    <p:cTn id="3" fill="hold" nodeType="clickPar">
-                      <p:stCondLst>
-                        <p:cond delay="indefinite"/>
-                      </p:stCondLst>
-                      <p:childTnLst>
-                        <p:par>
-                          <p:cTn id="4" fill="hold" nodeType="withGroup">
-                            <p:stCondLst>
-                              <p:cond delay="0"/>
-                            </p:stCondLst>
-                            <p:childTnLst>
-                              <p:par>
-                                <p:cTn id="5" presetID="4" presetClass="entr" presetSubtype="16" fill="hold" nodeType="clickEffect">
-                                  <p:stCondLst>
-                                    <p:cond delay="0"/>
-                                  </p:stCondLst>
-                                  <p:childTnLst>
-                                    <p:set>
-                                      <p:cBhvr>
-                                        <p:cTn id="6" dur="1" fill="hold">
-                                          <p:stCondLst>
-                                            <p:cond delay="0"/>
-                                          </p:stCondLst>
-                                        </p:cTn>
-                                        <p:tgtEl>
-                                          <p:spTgt spid="2"/>
-                                        </p:tgtEl>
-                                        <p:attrNameLst>
-                                          <p:attrName>style.visibility</p:attrName>
-                                        </p:attrNameLst>
-                                      </p:cBhvr>
-                                      <p:to>
-                                        <p:strVal val="visible"/>
-                                      </p:to>
-                                    </p:set>
-                                    <p:animEffect transition="in" filter="box(in)">
-                                      <p:cBhvr>
-                                        <p:cTn id="7" dur="500"/>
-                                        <p:tgtEl>
-                                          <p:spTgt spid="2"/>
-                                        </p:tgtEl>
-                                      </p:cBhvr>
-                                    </p:animEffect>
-                                  </p:childTnLst>
-                                </p:cTn>
-                              </p:par>
-                            </p:childTnLst>
-                          </p:cTn>
-                        </p:par>
-                      </p:childTnLst>
-                    </p:cTn>
-                  </p:par>
-                  <p:par>
-                    <p:cTn id="8" fill="hold" nodeType="clickPar">
-                      <p:stCondLst>
-                        <p:cond delay="indefinite"/>
-                      </p:stCondLst>
-                      <p:childTnLst>
-                        <p:par>
-                          <p:cTn id="9" fill="hold" nodeType="withGroup">
-                            <p:stCondLst>
-                              <p:cond delay="0"/>
-                            </p:stCondLst>
-                            <p:childTnLst>
-                              <p:par>
-                                <p:cTn id="10" presetID="4" presetClass="entr" presetSubtype="16" fill="hold" grpId="0" nodeType="clickEffect">
-                                  <p:stCondLst>
-                                    <p:cond delay="0"/>
-                                  </p:stCondLst>
-                                  <p:childTnLst>
-                                    <p:set>
-                                      <p:cBhvr>
-                                        <p:cTn id="11" dur="1" fill="hold">
-                                          <p:stCondLst>
-                                            <p:cond delay="0"/>
-                                          </p:stCondLst>
-                                        </p:cTn>
-                                        <p:tgtEl>
-                                          <p:spTgt spid="14"/>
-                                        </p:tgtEl>
-                                        <p:attrNameLst>
-                                          <p:attrName>style.visibility</p:attrName>
-                                        </p:attrNameLst>
-                                      </p:cBhvr>
-                                      <p:to>
-                                        <p:strVal val="visible"/>
-                                      </p:to>
-                                    </p:set>
-                                    <p:animEffect transition="in" filter="box(in)">
-                                      <p:cBhvr>
-                                        <p:cTn id="12" dur="500"/>
-                                        <p:tgtEl>
-                                          <p:spTgt spid="14"/>
-                                        </p:tgtEl>
-                                      </p:cBhvr>
-                                    </p:animEffect>
-                                  </p:childTnLst>
-                                </p:cTn>
-                              </p:par>
-                            </p:childTnLst>
-                          </p:cTn>
-                        </p:par>
-                      </p:childTnLst>
-                    </p:cTn>
-                  </p:par>
-                  <p:par>
-                    <p:cTn id="13" fill="hold">
-                      <p:stCondLst>
-                        <p:cond delay="indefinite"/>
-                      </p:stCondLst>
-                      <p:childTnLst>
-                        <p:par>
-                          <p:cTn id="14" fill="hold">
-                            <p:stCondLst>
-                              <p:cond delay="0"/>
-                            </p:stCondLst>
-                            <p:childTnLst>
-                              <p:par>
-                                <p:cTn id="15" presetID="4" presetClass="entr" presetSubtype="16" fill="hold" grpId="0" nodeType="clickEffect">
-                                  <p:stCondLst>
-                                    <p:cond delay="0"/>
-                                  </p:stCondLst>
-                                  <p:childTnLst>
-                                    <p:set>
-                                      <p:cBhvr>
-                                        <p:cTn id="16" dur="1" fill="hold">
-                                          <p:stCondLst>
-                                            <p:cond delay="0"/>
-                                          </p:stCondLst>
-                                        </p:cTn>
-                                        <p:tgtEl>
-                                          <p:spTgt spid="32775"/>
-                                        </p:tgtEl>
-                                        <p:attrNameLst>
-                                          <p:attrName>style.visibility</p:attrName>
-                                        </p:attrNameLst>
-                                      </p:cBhvr>
-                                      <p:to>
-                                        <p:strVal val="visible"/>
-                                      </p:to>
-                                    </p:set>
-                                    <p:animEffect transition="in" filter="box(in)">
-                                      <p:cBhvr>
-                                        <p:cTn id="17" dur="500"/>
-                                        <p:tgtEl>
-                                          <p:spTgt spid="32775"/>
-                                        </p:tgtEl>
-                                      </p:cBhvr>
-                                    </p:animEffect>
-                                  </p:childTnLst>
-                                </p:cTn>
-                              </p:par>
-                            </p:childTnLst>
-                          </p:cTn>
-                        </p:par>
-                      </p:childTnLst>
-                    </p:cTn>
-                  </p:par>
-                </p:childTnLst>
-              </p:cTn>
-              <p:prevCondLst>
-                <p:cond evt="onPrev" delay="0">
-                  <p:tgtEl>
-                    <p:sldTgt/>
-                  </p:tgtEl>
-                </p:cond>
-              </p:prevCondLst>
-              <p:nextCondLst>
-                <p:cond evt="onNext" delay="0">
-                  <p:tgtEl>
-                    <p:sldTgt/>
-                  </p:tgtEl>
-                </p:cond>
-              </p:nextCondLst>
-            </p:seq>
-          </p:childTnLst>
-        </p:cTn>
-      </p:par>
-    </p:tnLst>
-    <p:bldLst>
-      <p:bldP spid="32775" grpId="0"/>
-      <p:bldP spid="14" grpId="0"/>
-    </p:bldLst>
   </p:timing>
 </p:sld>
 </file>
@@ -21330,7 +20613,100 @@
       </p:grpSpPr>
       <p:sp>
         <p:nvSpPr>
-          <p:cNvPr id="19461" name="10 CuadroTexto"/>
+          <p:cNvPr id="8" name="Rectangle 2"/>
+          <p:cNvSpPr txBox="1">
+            <a:spLocks noChangeArrowheads="1"/>
+          </p:cNvSpPr>
+          <p:nvPr/>
+        </p:nvSpPr>
+        <p:spPr>
+          <a:xfrm>
+            <a:off x="143508" y="70426"/>
+            <a:ext cx="8856984" cy="721898"/>
+          </a:xfrm>
+          <a:prstGeom prst="rect">
+            <a:avLst/>
+          </a:prstGeom>
+        </p:spPr>
+        <p:txBody>
+          <a:bodyPr vert="horz" lIns="92075" tIns="46038" rIns="92075" bIns="46038" rtlCol="0" anchor="ctr">
+            <a:noAutofit/>
+          </a:bodyPr>
+          <a:lstStyle>
+            <a:lvl1pPr algn="ctr" defTabSz="914400" rtl="0" eaLnBrk="1" latinLnBrk="0" hangingPunct="1">
+              <a:spcBef>
+                <a:spcPct val="0"/>
+              </a:spcBef>
+              <a:buNone/>
+              <a:defRPr sz="4400" kern="1200">
+                <a:solidFill>
+                  <a:schemeClr val="tx1"/>
+                </a:solidFill>
+                <a:latin typeface="+mj-lt"/>
+                <a:ea typeface="+mj-ea"/>
+                <a:cs typeface="+mj-cs"/>
+              </a:defRPr>
+            </a:lvl1pPr>
+          </a:lstStyle>
+          <a:p>
+            <a:pPr>
+              <a:defRPr/>
+            </a:pPr>
+            <a:r>
+              <a:rPr lang="es-ES_tradnl" sz="3200" dirty="0">
+                <a:solidFill>
+                  <a:srgbClr val="3333CC"/>
+                </a:solidFill>
+                <a:effectLst>
+                  <a:outerShdw blurRad="38100" dist="38100" dir="2700000" algn="tl">
+                    <a:srgbClr val="C0C0C0"/>
+                  </a:outerShdw>
+                </a:effectLst>
+                <a:latin typeface="Dom Casual" charset="0"/>
+              </a:rPr>
+              <a:t> </a:t>
+            </a:r>
+            <a:r>
+              <a:rPr lang="es-ES_tradnl" sz="3200" b="1" dirty="0">
+                <a:solidFill>
+                  <a:schemeClr val="accent4">
+                    <a:lumMod val="50000"/>
+                  </a:schemeClr>
+                </a:solidFill>
+                <a:effectLst>
+                  <a:outerShdw blurRad="38100" dist="38100" dir="2700000" algn="tl">
+                    <a:srgbClr val="C0C0C0"/>
+                  </a:outerShdw>
+                </a:effectLst>
+                <a:latin typeface="Dom Casual" charset="0"/>
+              </a:rPr>
+              <a:t>Ancho de banda</a:t>
+            </a:r>
+            <a:endParaRPr lang="es-ES_tradnl" sz="2000" b="1" dirty="0">
+              <a:solidFill>
+                <a:schemeClr val="accent6">
+                  <a:lumMod val="75000"/>
+                </a:schemeClr>
+              </a:solidFill>
+              <a:effectLst>
+                <a:outerShdw blurRad="38100" dist="38100" dir="2700000" algn="tl">
+                  <a:srgbClr val="C0C0C0"/>
+                </a:outerShdw>
+              </a:effectLst>
+              <a:latin typeface="Dom Casual" charset="0"/>
+            </a:endParaRPr>
+          </a:p>
+        </p:txBody>
+      </p:sp>
+      <p:sp>
+        <p:nvSpPr>
+          <p:cNvPr id="11" name="10 CuadroTexto">
+            <a:extLst>
+              <a:ext uri="{FF2B5EF4-FFF2-40B4-BE49-F238E27FC236}">
+                <a16:creationId xmlns:a16="http://schemas.microsoft.com/office/drawing/2014/main" id="{5DF5F351-DED2-4954-B397-FE4712255E38}"/>
+              </a:ext>
+            </a:extLst>
+          </p:cNvPr>
           <p:cNvSpPr txBox="1">
             <a:spLocks noChangeArrowheads="1"/>
           </p:cNvSpPr>
@@ -21338,8 +20714,8 @@
         </p:nvSpPr>
         <p:spPr bwMode="auto">
           <a:xfrm>
-            <a:off x="611560" y="825763"/>
-            <a:ext cx="8064896" cy="792781"/>
+            <a:off x="933650" y="902546"/>
+            <a:ext cx="7461447" cy="703847"/>
           </a:xfrm>
           <a:prstGeom prst="rect">
             <a:avLst/>
@@ -21477,226 +20853,34 @@
               </a:lnSpc>
             </a:pPr>
             <a:r>
-              <a:rPr lang="es-ES" sz="1600" b="1" dirty="0">
-                <a:solidFill>
-                  <a:schemeClr val="accent5">
-                    <a:lumMod val="75000"/>
-                  </a:schemeClr>
-                </a:solidFill>
-                <a:latin typeface="ZapfHumnst BT"/>
-              </a:rPr>
-              <a:t>El test de velocidad utiliza un algoritmo único que permite medir con precisión la velocidad de subida y de bajada y la latencia (ping) de tu conexión a Internet.</a:t>
-            </a:r>
-          </a:p>
-        </p:txBody>
-      </p:sp>
-      <p:sp>
-        <p:nvSpPr>
-          <p:cNvPr id="8" name="Rectangle 2"/>
-          <p:cNvSpPr txBox="1">
-            <a:spLocks noChangeArrowheads="1"/>
-          </p:cNvSpPr>
-          <p:nvPr/>
-        </p:nvSpPr>
-        <p:spPr>
-          <a:xfrm>
-            <a:off x="89756" y="7145"/>
-            <a:ext cx="8964488" cy="1143000"/>
-          </a:xfrm>
-          <a:prstGeom prst="rect">
-            <a:avLst/>
-          </a:prstGeom>
-        </p:spPr>
-        <p:txBody>
-          <a:bodyPr vert="horz" lIns="92075" tIns="46038" rIns="92075" bIns="46038" rtlCol="0" anchor="ctr">
-            <a:noAutofit/>
-          </a:bodyPr>
-          <a:lstStyle>
-            <a:lvl1pPr algn="ctr" defTabSz="914400" rtl="0" eaLnBrk="1" latinLnBrk="0" hangingPunct="1">
-              <a:spcBef>
-                <a:spcPct val="0"/>
-              </a:spcBef>
-              <a:buNone/>
-              <a:defRPr sz="4400" kern="1200">
-                <a:solidFill>
-                  <a:schemeClr val="tx1"/>
-                </a:solidFill>
-                <a:latin typeface="+mj-lt"/>
-                <a:ea typeface="+mj-ea"/>
-                <a:cs typeface="+mj-cs"/>
-              </a:defRPr>
-            </a:lvl1pPr>
-          </a:lstStyle>
-          <a:p>
-            <a:pPr>
-              <a:defRPr/>
-            </a:pPr>
-            <a:r>
-              <a:rPr lang="es-ES_tradnl" sz="3200" dirty="0">
-                <a:solidFill>
-                  <a:srgbClr val="3333CC"/>
-                </a:solidFill>
-                <a:effectLst>
-                  <a:outerShdw blurRad="38100" dist="38100" dir="2700000" algn="tl">
-                    <a:srgbClr val="C0C0C0"/>
-                  </a:outerShdw>
-                </a:effectLst>
-                <a:latin typeface="Dom Casual" charset="0"/>
-              </a:rPr>
-              <a:t> </a:t>
-            </a:r>
-            <a:r>
-              <a:rPr lang="es-ES_tradnl" sz="3200" b="1" dirty="0">
-                <a:solidFill>
-                  <a:schemeClr val="accent4">
-                    <a:lumMod val="50000"/>
-                  </a:schemeClr>
-                </a:solidFill>
-                <a:effectLst>
-                  <a:outerShdw blurRad="38100" dist="38100" dir="2700000" algn="tl">
-                    <a:srgbClr val="C0C0C0"/>
-                  </a:outerShdw>
-                </a:effectLst>
-                <a:latin typeface="Dom Casual" charset="0"/>
-              </a:rPr>
-              <a:t>Test de velocidad de conexión a Internet</a:t>
-            </a:r>
-          </a:p>
-        </p:txBody>
-      </p:sp>
-      <p:sp>
-        <p:nvSpPr>
-          <p:cNvPr id="5" name="CuadroTexto 4">
-            <a:extLst>
-              <a:ext uri="{FF2B5EF4-FFF2-40B4-BE49-F238E27FC236}">
-                <a16:creationId xmlns:a16="http://schemas.microsoft.com/office/drawing/2014/main" id="{29FE4E26-F158-46A5-9C83-6A8A7F6F9681}"/>
-              </a:ext>
-            </a:extLst>
-          </p:cNvPr>
-          <p:cNvSpPr txBox="1"/>
-          <p:nvPr/>
-        </p:nvSpPr>
-        <p:spPr>
-          <a:xfrm>
-            <a:off x="486865" y="1984576"/>
-            <a:ext cx="8117583" cy="2092496"/>
-          </a:xfrm>
-          <a:prstGeom prst="rect">
-            <a:avLst/>
-          </a:prstGeom>
-          <a:noFill/>
-        </p:spPr>
-        <p:txBody>
-          <a:bodyPr wrap="square">
-            <a:spAutoFit/>
-          </a:bodyPr>
-          <a:lstStyle/>
-          <a:p>
-            <a:pPr marL="285750" indent="-285750" algn="just">
-              <a:lnSpc>
-                <a:spcPts val="2500"/>
-              </a:lnSpc>
-              <a:spcAft>
-                <a:spcPts val="800"/>
-              </a:spcAft>
-              <a:buFont typeface="Arial" panose="020B0604020202020204" pitchFamily="34" charset="0"/>
-              <a:buChar char="•"/>
-            </a:pPr>
-            <a:r>
-              <a:rPr lang="es-MX" sz="1600" b="1" dirty="0">
+              <a:rPr lang="es-ES" sz="1400" b="1" dirty="0">
                 <a:solidFill>
                   <a:schemeClr val="accent6">
                     <a:lumMod val="75000"/>
                   </a:schemeClr>
                 </a:solidFill>
-                <a:effectLst/>
-                <a:latin typeface="Calibri" panose="020F0502020204030204" pitchFamily="34" charset="0"/>
-                <a:ea typeface="Calibri" panose="020F0502020204030204" pitchFamily="34" charset="0"/>
-                <a:cs typeface="Times New Roman" panose="02020603050405020304" pitchFamily="18" charset="0"/>
+                <a:latin typeface="Arial" panose="020B0604020202020204" pitchFamily="34" charset="0"/>
+                <a:cs typeface="Arial" panose="020B0604020202020204" pitchFamily="34" charset="0"/>
               </a:rPr>
-              <a:t>Velocidad de descarga:</a:t>
-            </a:r>
-            <a:r>
-              <a:rPr lang="es-MX" sz="1600" dirty="0">
-                <a:solidFill>
-                  <a:schemeClr val="accent6">
-                    <a:lumMod val="75000"/>
-                  </a:schemeClr>
-                </a:solidFill>
-                <a:effectLst/>
-                <a:latin typeface="Calibri" panose="020F0502020204030204" pitchFamily="34" charset="0"/>
-                <a:ea typeface="Calibri" panose="020F0502020204030204" pitchFamily="34" charset="0"/>
-                <a:cs typeface="Times New Roman" panose="02020603050405020304" pitchFamily="18" charset="0"/>
-              </a:rPr>
-              <a:t> </a:t>
-            </a:r>
-            <a:r>
-              <a:rPr lang="es-MX" sz="1600" dirty="0">
-                <a:effectLst/>
-                <a:latin typeface="Calibri" panose="020F0502020204030204" pitchFamily="34" charset="0"/>
-                <a:ea typeface="Calibri" panose="020F0502020204030204" pitchFamily="34" charset="0"/>
-                <a:cs typeface="Times New Roman" panose="02020603050405020304" pitchFamily="18" charset="0"/>
-              </a:rPr>
-              <a:t>Es el tiempo que tarda un archivo en ser descargado desde un servidor externo al dispositivo que se está utilizando. Se mide la cantidad de megas que se consiguen descargar en un segundo.</a:t>
-            </a:r>
-          </a:p>
-          <a:p>
-            <a:pPr marL="285750" indent="-285750" algn="just">
-              <a:lnSpc>
-                <a:spcPts val="2500"/>
-              </a:lnSpc>
-              <a:spcAft>
-                <a:spcPts val="800"/>
-              </a:spcAft>
-              <a:buFont typeface="Arial" panose="020B0604020202020204" pitchFamily="34" charset="0"/>
-              <a:buChar char="•"/>
-            </a:pPr>
-            <a:r>
-              <a:rPr lang="es-MX" sz="1600" b="1" dirty="0">
-                <a:solidFill>
-                  <a:schemeClr val="accent6">
-                    <a:lumMod val="75000"/>
-                  </a:schemeClr>
-                </a:solidFill>
-                <a:effectLst/>
-                <a:latin typeface="Calibri" panose="020F0502020204030204" pitchFamily="34" charset="0"/>
-                <a:ea typeface="Calibri" panose="020F0502020204030204" pitchFamily="34" charset="0"/>
-                <a:cs typeface="Times New Roman" panose="02020603050405020304" pitchFamily="18" charset="0"/>
-              </a:rPr>
-              <a:t>Velocidad de subida:</a:t>
-            </a:r>
-            <a:r>
-              <a:rPr lang="es-MX" sz="1600" dirty="0">
-                <a:solidFill>
-                  <a:schemeClr val="accent6">
-                    <a:lumMod val="75000"/>
-                  </a:schemeClr>
-                </a:solidFill>
-                <a:effectLst/>
-                <a:latin typeface="Calibri" panose="020F0502020204030204" pitchFamily="34" charset="0"/>
-                <a:ea typeface="Calibri" panose="020F0502020204030204" pitchFamily="34" charset="0"/>
-                <a:cs typeface="Times New Roman" panose="02020603050405020304" pitchFamily="18" charset="0"/>
-              </a:rPr>
-              <a:t> </a:t>
-            </a:r>
-            <a:r>
-              <a:rPr lang="es-MX" sz="1600" dirty="0">
-                <a:effectLst/>
-                <a:latin typeface="Calibri" panose="020F0502020204030204" pitchFamily="34" charset="0"/>
-                <a:ea typeface="Calibri" panose="020F0502020204030204" pitchFamily="34" charset="0"/>
-                <a:cs typeface="Times New Roman" panose="02020603050405020304" pitchFamily="18" charset="0"/>
-              </a:rPr>
-              <a:t>Es el tiempo que tarda un archivo en ser subido a un servidor externo. Se mide la cantidad de megas que la conexión a Internet puede subir en un segundo al servidor.</a:t>
-            </a:r>
+              <a:t>Mide la cantidad de datos que pueden fluir desde un lugar hacia otro en un período de tiempo determinado. Se mide en bits/segundo.</a:t>
+            </a:r>
+            <a:endParaRPr lang="es-ES" sz="1800" b="1" dirty="0">
+              <a:solidFill>
+                <a:schemeClr val="accent6">
+                  <a:lumMod val="75000"/>
+                </a:schemeClr>
+              </a:solidFill>
+              <a:latin typeface="ZapfHumnst BT"/>
+            </a:endParaRPr>
           </a:p>
         </p:txBody>
       </p:sp>
       <p:pic>
         <p:nvPicPr>
-          <p:cNvPr id="4" name="Imagen 3" descr="Interfaz de usuario gráfica, Aplicación&#10;&#10;Descripción generada automáticamente">
+          <p:cNvPr id="3" name="Imagen 2">
             <a:extLst>
               <a:ext uri="{FF2B5EF4-FFF2-40B4-BE49-F238E27FC236}">
-                <a16:creationId xmlns:a16="http://schemas.microsoft.com/office/drawing/2014/main" id="{A5FA7EB3-4DCB-496B-944D-EEA900EC12B5}"/>
+                <a16:creationId xmlns:a16="http://schemas.microsoft.com/office/drawing/2014/main" id="{779CCE95-012A-416C-BCDD-A18218A2FA95}"/>
               </a:ext>
             </a:extLst>
           </p:cNvPr>
@@ -21706,7 +20890,37 @@
           <p:nvPr/>
         </p:nvPicPr>
         <p:blipFill>
-          <a:blip r:embed="rId3">
+          <a:blip r:embed="rId3"/>
+          <a:stretch>
+            <a:fillRect/>
+          </a:stretch>
+        </p:blipFill>
+        <p:spPr>
+          <a:xfrm>
+            <a:off x="1583669" y="2204864"/>
+            <a:ext cx="3384376" cy="2132620"/>
+          </a:xfrm>
+          <a:prstGeom prst="rect">
+            <a:avLst/>
+          </a:prstGeom>
+        </p:spPr>
+      </p:pic>
+      <p:pic>
+        <p:nvPicPr>
+          <p:cNvPr id="6" name="Imagen 5" descr="Imagen que contiene luz&#10;&#10;Descripción generada automáticamente">
+            <a:extLst>
+              <a:ext uri="{FF2B5EF4-FFF2-40B4-BE49-F238E27FC236}">
+                <a16:creationId xmlns:a16="http://schemas.microsoft.com/office/drawing/2014/main" id="{6C620411-E859-420D-8B7D-26E7ACE9D5FF}"/>
+              </a:ext>
+            </a:extLst>
+          </p:cNvPr>
+          <p:cNvPicPr>
+            <a:picLocks noChangeAspect="1"/>
+          </p:cNvPicPr>
+          <p:nvPr/>
+        </p:nvPicPr>
+        <p:blipFill>
+          <a:blip r:embed="rId4">
             <a:extLst>
               <a:ext uri="{28A0092B-C50C-407E-A947-70E740481C1C}">
                 <a14:useLocalDpi xmlns:a14="http://schemas.microsoft.com/office/drawing/2010/main" val="0"/>
@@ -21719,8 +20933,38 @@
         </p:blipFill>
         <p:spPr>
           <a:xfrm>
-            <a:off x="1619672" y="4221088"/>
-            <a:ext cx="6308768" cy="2140007"/>
+            <a:off x="5580112" y="1854034"/>
+            <a:ext cx="2215908" cy="1865433"/>
+          </a:xfrm>
+          <a:prstGeom prst="rect">
+            <a:avLst/>
+          </a:prstGeom>
+        </p:spPr>
+      </p:pic>
+      <p:pic>
+        <p:nvPicPr>
+          <p:cNvPr id="9" name="Picture 3">
+            <a:extLst>
+              <a:ext uri="{FF2B5EF4-FFF2-40B4-BE49-F238E27FC236}">
+                <a16:creationId xmlns:a16="http://schemas.microsoft.com/office/drawing/2014/main" id="{D81BFD06-C3B0-4A3E-9C17-9CD6B49B6C4F}"/>
+              </a:ext>
+            </a:extLst>
+          </p:cNvPr>
+          <p:cNvPicPr>
+            <a:picLocks noChangeAspect="1"/>
+          </p:cNvPicPr>
+          <p:nvPr/>
+        </p:nvPicPr>
+        <p:blipFill>
+          <a:blip r:embed="rId5"/>
+          <a:stretch>
+            <a:fillRect/>
+          </a:stretch>
+        </p:blipFill>
+        <p:spPr>
+          <a:xfrm>
+            <a:off x="771601" y="4585125"/>
+            <a:ext cx="7785546" cy="1865432"/>
           </a:xfrm>
           <a:prstGeom prst="rect">
             <a:avLst/>
@@ -21730,7 +20974,7 @@
     </p:spTree>
     <p:extLst>
       <p:ext uri="{BB962C8B-B14F-4D97-AF65-F5344CB8AC3E}">
-        <p14:creationId xmlns:p14="http://schemas.microsoft.com/office/powerpoint/2010/main" val="53450271"/>
+        <p14:creationId xmlns:p14="http://schemas.microsoft.com/office/powerpoint/2010/main" val="316680266"/>
       </p:ext>
     </p:extLst>
   </p:cSld>
@@ -21746,13 +20990,13 @@
               <p:cTn id="2" dur="indefinite" nodeType="mainSeq">
                 <p:childTnLst>
                   <p:par>
-                    <p:cTn id="3" fill="hold" nodeType="clickPar">
+                    <p:cTn id="3" fill="hold">
                       <p:stCondLst>
                         <p:cond delay="indefinite"/>
                       </p:stCondLst>
                       <p:childTnLst>
                         <p:par>
-                          <p:cTn id="4" fill="hold" nodeType="withGroup">
+                          <p:cTn id="4" fill="hold">
                             <p:stCondLst>
                               <p:cond delay="0"/>
                             </p:stCondLst>
@@ -21771,7 +21015,7 @@
                                           </p:stCondLst>
                                         </p:cTn>
                                         <p:tgtEl>
-                                          <p:spTgt spid="19461"/>
+                                          <p:spTgt spid="11"/>
                                         </p:tgtEl>
                                         <p:attrNameLst>
                                           <p:attrName>style.visibility</p:attrName>
@@ -21785,55 +21029,10 @@
                                       <p:cBhvr>
                                         <p:cTn id="7" dur="500"/>
                                         <p:tgtEl>
-                                          <p:spTgt spid="19461"/>
+                                          <p:spTgt spid="11"/>
                                         </p:tgtEl>
                                       </p:cBhvr>
                                     </p:animEffect>
-                                  </p:childTnLst>
-                                </p:cTn>
-                              </p:par>
-                            </p:childTnLst>
-                          </p:cTn>
-                        </p:par>
-                      </p:childTnLst>
-                    </p:cTn>
-                  </p:par>
-                  <p:par>
-                    <p:cTn id="8" fill="hold">
-                      <p:stCondLst>
-                        <p:cond delay="indefinite"/>
-                      </p:stCondLst>
-                      <p:childTnLst>
-                        <p:par>
-                          <p:cTn id="9" fill="hold">
-                            <p:stCondLst>
-                              <p:cond delay="0"/>
-                            </p:stCondLst>
-                            <p:childTnLst>
-                              <p:par>
-                                <p:cTn id="10" presetID="1" presetClass="entr" presetSubtype="0" fill="hold" grpId="0" nodeType="clickEffect">
-                                  <p:stCondLst>
-                                    <p:cond delay="0"/>
-                                  </p:stCondLst>
-                                  <p:childTnLst>
-                                    <p:set>
-                                      <p:cBhvr>
-                                        <p:cTn id="11" dur="1" fill="hold">
-                                          <p:stCondLst>
-                                            <p:cond delay="0"/>
-                                          </p:stCondLst>
-                                        </p:cTn>
-                                        <p:tgtEl>
-                                          <p:spTgt spid="5"/>
-                                        </p:tgtEl>
-                                        <p:attrNameLst>
-                                          <p:attrName>style.visibility</p:attrName>
-                                        </p:attrNameLst>
-                                      </p:cBhvr>
-                                      <p:to>
-                                        <p:strVal val="visible"/>
-                                      </p:to>
-                                    </p:set>
                                   </p:childTnLst>
                                 </p:cTn>
                               </p:par>
@@ -21865,8 +21064,7 @@
       </p:par>
     </p:tnLst>
     <p:bldLst>
-      <p:bldP spid="19461" grpId="0"/>
-      <p:bldP spid="5" grpId="0"/>
+      <p:bldP spid="11" grpId="0"/>
     </p:bldLst>
   </p:timing>
 </p:sld>

--- a/Calendario2023/Presentaciones/9_Capa_fisicaR.pptx
+++ b/Calendario2023/Presentaciones/9_Capa_fisicaR.pptx
@@ -219,7 +219,7 @@
           <a:p>
             <a:fld id="{2D445F07-8756-451B-A938-0248325FC7BB}" type="datetimeFigureOut">
               <a:rPr lang="es-MX" smtClean="0"/>
-              <a:t>16/05/2023</a:t>
+              <a:t>17/05/2023</a:t>
             </a:fld>
             <a:endParaRPr lang="es-MX" dirty="0"/>
           </a:p>
@@ -2091,7 +2091,7 @@
           <a:p>
             <a:fld id="{5E75A0DC-66C6-4CEC-A5EB-F8C97CEC3796}" type="datetimeFigureOut">
               <a:rPr lang="es-MX" smtClean="0"/>
-              <a:t>16/05/2023</a:t>
+              <a:t>17/05/2023</a:t>
             </a:fld>
             <a:endParaRPr lang="es-MX" dirty="0"/>
           </a:p>
@@ -2261,7 +2261,7 @@
           <a:p>
             <a:fld id="{5E75A0DC-66C6-4CEC-A5EB-F8C97CEC3796}" type="datetimeFigureOut">
               <a:rPr lang="es-MX" smtClean="0"/>
-              <a:t>16/05/2023</a:t>
+              <a:t>17/05/2023</a:t>
             </a:fld>
             <a:endParaRPr lang="es-MX" dirty="0"/>
           </a:p>
@@ -2441,7 +2441,7 @@
           <a:p>
             <a:fld id="{5E75A0DC-66C6-4CEC-A5EB-F8C97CEC3796}" type="datetimeFigureOut">
               <a:rPr lang="es-MX" smtClean="0"/>
-              <a:t>16/05/2023</a:t>
+              <a:t>17/05/2023</a:t>
             </a:fld>
             <a:endParaRPr lang="es-MX" dirty="0"/>
           </a:p>
@@ -2611,7 +2611,7 @@
           <a:p>
             <a:fld id="{5E75A0DC-66C6-4CEC-A5EB-F8C97CEC3796}" type="datetimeFigureOut">
               <a:rPr lang="es-MX" smtClean="0"/>
-              <a:t>16/05/2023</a:t>
+              <a:t>17/05/2023</a:t>
             </a:fld>
             <a:endParaRPr lang="es-MX" dirty="0"/>
           </a:p>
@@ -2857,7 +2857,7 @@
           <a:p>
             <a:fld id="{5E75A0DC-66C6-4CEC-A5EB-F8C97CEC3796}" type="datetimeFigureOut">
               <a:rPr lang="es-MX" smtClean="0"/>
-              <a:t>16/05/2023</a:t>
+              <a:t>17/05/2023</a:t>
             </a:fld>
             <a:endParaRPr lang="es-MX" dirty="0"/>
           </a:p>
@@ -3145,7 +3145,7 @@
           <a:p>
             <a:fld id="{5E75A0DC-66C6-4CEC-A5EB-F8C97CEC3796}" type="datetimeFigureOut">
               <a:rPr lang="es-MX" smtClean="0"/>
-              <a:t>16/05/2023</a:t>
+              <a:t>17/05/2023</a:t>
             </a:fld>
             <a:endParaRPr lang="es-MX" dirty="0"/>
           </a:p>
@@ -3567,7 +3567,7 @@
           <a:p>
             <a:fld id="{5E75A0DC-66C6-4CEC-A5EB-F8C97CEC3796}" type="datetimeFigureOut">
               <a:rPr lang="es-MX" smtClean="0"/>
-              <a:t>16/05/2023</a:t>
+              <a:t>17/05/2023</a:t>
             </a:fld>
             <a:endParaRPr lang="es-MX" dirty="0"/>
           </a:p>
@@ -3685,7 +3685,7 @@
           <a:p>
             <a:fld id="{5E75A0DC-66C6-4CEC-A5EB-F8C97CEC3796}" type="datetimeFigureOut">
               <a:rPr lang="es-MX" smtClean="0"/>
-              <a:t>16/05/2023</a:t>
+              <a:t>17/05/2023</a:t>
             </a:fld>
             <a:endParaRPr lang="es-MX" dirty="0"/>
           </a:p>
@@ -3780,7 +3780,7 @@
           <a:p>
             <a:fld id="{5E75A0DC-66C6-4CEC-A5EB-F8C97CEC3796}" type="datetimeFigureOut">
               <a:rPr lang="es-MX" smtClean="0"/>
-              <a:t>16/05/2023</a:t>
+              <a:t>17/05/2023</a:t>
             </a:fld>
             <a:endParaRPr lang="es-MX" dirty="0"/>
           </a:p>
@@ -4057,7 +4057,7 @@
           <a:p>
             <a:fld id="{5E75A0DC-66C6-4CEC-A5EB-F8C97CEC3796}" type="datetimeFigureOut">
               <a:rPr lang="es-MX" smtClean="0"/>
-              <a:t>16/05/2023</a:t>
+              <a:t>17/05/2023</a:t>
             </a:fld>
             <a:endParaRPr lang="es-MX" dirty="0"/>
           </a:p>
@@ -4310,7 +4310,7 @@
           <a:p>
             <a:fld id="{5E75A0DC-66C6-4CEC-A5EB-F8C97CEC3796}" type="datetimeFigureOut">
               <a:rPr lang="es-MX" smtClean="0"/>
-              <a:t>16/05/2023</a:t>
+              <a:t>17/05/2023</a:t>
             </a:fld>
             <a:endParaRPr lang="es-MX" dirty="0"/>
           </a:p>
@@ -4523,7 +4523,7 @@
           <a:p>
             <a:fld id="{5E75A0DC-66C6-4CEC-A5EB-F8C97CEC3796}" type="datetimeFigureOut">
               <a:rPr lang="es-MX" smtClean="0"/>
-              <a:t>16/05/2023</a:t>
+              <a:t>17/05/2023</a:t>
             </a:fld>
             <a:endParaRPr lang="es-MX" dirty="0"/>
           </a:p>

--- a/Calendario2023/Presentaciones/9_Capa_fisicaR.pptx
+++ b/Calendario2023/Presentaciones/9_Capa_fisicaR.pptx
@@ -219,7 +219,7 @@
           <a:p>
             <a:fld id="{2D445F07-8756-451B-A938-0248325FC7BB}" type="datetimeFigureOut">
               <a:rPr lang="es-MX" smtClean="0"/>
-              <a:t>17/05/2023</a:t>
+              <a:t>18/05/2023</a:t>
             </a:fld>
             <a:endParaRPr lang="es-MX" dirty="0"/>
           </a:p>
@@ -2091,7 +2091,7 @@
           <a:p>
             <a:fld id="{5E75A0DC-66C6-4CEC-A5EB-F8C97CEC3796}" type="datetimeFigureOut">
               <a:rPr lang="es-MX" smtClean="0"/>
-              <a:t>17/05/2023</a:t>
+              <a:t>18/05/2023</a:t>
             </a:fld>
             <a:endParaRPr lang="es-MX" dirty="0"/>
           </a:p>
@@ -2261,7 +2261,7 @@
           <a:p>
             <a:fld id="{5E75A0DC-66C6-4CEC-A5EB-F8C97CEC3796}" type="datetimeFigureOut">
               <a:rPr lang="es-MX" smtClean="0"/>
-              <a:t>17/05/2023</a:t>
+              <a:t>18/05/2023</a:t>
             </a:fld>
             <a:endParaRPr lang="es-MX" dirty="0"/>
           </a:p>
@@ -2441,7 +2441,7 @@
           <a:p>
             <a:fld id="{5E75A0DC-66C6-4CEC-A5EB-F8C97CEC3796}" type="datetimeFigureOut">
               <a:rPr lang="es-MX" smtClean="0"/>
-              <a:t>17/05/2023</a:t>
+              <a:t>18/05/2023</a:t>
             </a:fld>
             <a:endParaRPr lang="es-MX" dirty="0"/>
           </a:p>
@@ -2611,7 +2611,7 @@
           <a:p>
             <a:fld id="{5E75A0DC-66C6-4CEC-A5EB-F8C97CEC3796}" type="datetimeFigureOut">
               <a:rPr lang="es-MX" smtClean="0"/>
-              <a:t>17/05/2023</a:t>
+              <a:t>18/05/2023</a:t>
             </a:fld>
             <a:endParaRPr lang="es-MX" dirty="0"/>
           </a:p>
@@ -2857,7 +2857,7 @@
           <a:p>
             <a:fld id="{5E75A0DC-66C6-4CEC-A5EB-F8C97CEC3796}" type="datetimeFigureOut">
               <a:rPr lang="es-MX" smtClean="0"/>
-              <a:t>17/05/2023</a:t>
+              <a:t>18/05/2023</a:t>
             </a:fld>
             <a:endParaRPr lang="es-MX" dirty="0"/>
           </a:p>
@@ -3145,7 +3145,7 @@
           <a:p>
             <a:fld id="{5E75A0DC-66C6-4CEC-A5EB-F8C97CEC3796}" type="datetimeFigureOut">
               <a:rPr lang="es-MX" smtClean="0"/>
-              <a:t>17/05/2023</a:t>
+              <a:t>18/05/2023</a:t>
             </a:fld>
             <a:endParaRPr lang="es-MX" dirty="0"/>
           </a:p>
@@ -3567,7 +3567,7 @@
           <a:p>
             <a:fld id="{5E75A0DC-66C6-4CEC-A5EB-F8C97CEC3796}" type="datetimeFigureOut">
               <a:rPr lang="es-MX" smtClean="0"/>
-              <a:t>17/05/2023</a:t>
+              <a:t>18/05/2023</a:t>
             </a:fld>
             <a:endParaRPr lang="es-MX" dirty="0"/>
           </a:p>
@@ -3685,7 +3685,7 @@
           <a:p>
             <a:fld id="{5E75A0DC-66C6-4CEC-A5EB-F8C97CEC3796}" type="datetimeFigureOut">
               <a:rPr lang="es-MX" smtClean="0"/>
-              <a:t>17/05/2023</a:t>
+              <a:t>18/05/2023</a:t>
             </a:fld>
             <a:endParaRPr lang="es-MX" dirty="0"/>
           </a:p>
@@ -3780,7 +3780,7 @@
           <a:p>
             <a:fld id="{5E75A0DC-66C6-4CEC-A5EB-F8C97CEC3796}" type="datetimeFigureOut">
               <a:rPr lang="es-MX" smtClean="0"/>
-              <a:t>17/05/2023</a:t>
+              <a:t>18/05/2023</a:t>
             </a:fld>
             <a:endParaRPr lang="es-MX" dirty="0"/>
           </a:p>
@@ -4057,7 +4057,7 @@
           <a:p>
             <a:fld id="{5E75A0DC-66C6-4CEC-A5EB-F8C97CEC3796}" type="datetimeFigureOut">
               <a:rPr lang="es-MX" smtClean="0"/>
-              <a:t>17/05/2023</a:t>
+              <a:t>18/05/2023</a:t>
             </a:fld>
             <a:endParaRPr lang="es-MX" dirty="0"/>
           </a:p>
@@ -4310,7 +4310,7 @@
           <a:p>
             <a:fld id="{5E75A0DC-66C6-4CEC-A5EB-F8C97CEC3796}" type="datetimeFigureOut">
               <a:rPr lang="es-MX" smtClean="0"/>
-              <a:t>17/05/2023</a:t>
+              <a:t>18/05/2023</a:t>
             </a:fld>
             <a:endParaRPr lang="es-MX" dirty="0"/>
           </a:p>
@@ -4523,7 +4523,7 @@
           <a:p>
             <a:fld id="{5E75A0DC-66C6-4CEC-A5EB-F8C97CEC3796}" type="datetimeFigureOut">
               <a:rPr lang="es-MX" smtClean="0"/>
-              <a:t>17/05/2023</a:t>
+              <a:t>18/05/2023</a:t>
             </a:fld>
             <a:endParaRPr lang="es-MX" dirty="0"/>
           </a:p>
@@ -5777,7 +5777,25 @@
                 <a:ea typeface="Calibri" panose="020F0502020204030204" pitchFamily="34" charset="0"/>
                 <a:cs typeface="Times New Roman" panose="02020603050405020304" pitchFamily="18" charset="0"/>
               </a:rPr>
-              <a:t>Es el tiempo exacto que tarda un paquete de datos en transmitirse dentro de una red (del dispositivo al servidor o viceversa en este caso). La latencia se mide en pings. </a:t>
+              <a:t>Es el tiempo exacto que tarda un paquete de datos en transmitirse dentro de una red (del dispositivo al servidor </a:t>
+            </a:r>
+            <a:r>
+              <a:rPr lang="es-MX" sz="1600">
+                <a:effectLst/>
+                <a:latin typeface="Calibri" panose="020F0502020204030204" pitchFamily="34" charset="0"/>
+                <a:ea typeface="Calibri" panose="020F0502020204030204" pitchFamily="34" charset="0"/>
+                <a:cs typeface="Times New Roman" panose="02020603050405020304" pitchFamily="18" charset="0"/>
+              </a:rPr>
+              <a:t>y viceversa). </a:t>
+            </a:r>
+            <a:r>
+              <a:rPr lang="es-MX" sz="1600" dirty="0">
+                <a:effectLst/>
+                <a:latin typeface="Calibri" panose="020F0502020204030204" pitchFamily="34" charset="0"/>
+                <a:ea typeface="Calibri" panose="020F0502020204030204" pitchFamily="34" charset="0"/>
+                <a:cs typeface="Times New Roman" panose="02020603050405020304" pitchFamily="18" charset="0"/>
+              </a:rPr>
+              <a:t>La latencia se mide en pings. </a:t>
             </a:r>
             <a:r>
               <a:rPr lang="es-ES" sz="1600" dirty="0">
